--- a/2_ADF/PPT/2_Activities/2_Data Transformation Activities/1_Data Flow/2_schema modifier/1_Derived Column/1_Derived Column.pptx
+++ b/2_ADF/PPT/2_Activities/2_Data Transformation Activities/1_Data Flow/2_schema modifier/1_Derived Column/1_Derived Column.pptx
@@ -6,6 +6,13 @@
   </p:sldMasterIdLst>
   <p:sldIdLst>
     <p:sldId id="256" r:id="rId2"/>
+    <p:sldId id="258" r:id="rId3"/>
+    <p:sldId id="259" r:id="rId4"/>
+    <p:sldId id="260" r:id="rId5"/>
+    <p:sldId id="257" r:id="rId6"/>
+    <p:sldId id="261" r:id="rId7"/>
+    <p:sldId id="262" r:id="rId8"/>
+    <p:sldId id="263" r:id="rId9"/>
   </p:sldIdLst>
   <p:sldSz cx="12192000" cy="6858000"/>
   <p:notesSz cx="6858000" cy="9144000"/>
@@ -104,6 +111,11 @@
       </a:defRPr>
     </a:lvl9pPr>
   </p:defaultTextStyle>
+  <p:extLst>
+    <p:ext uri="{EFAFB233-063F-42B5-8137-9DF3F51BA10A}">
+      <p15:sldGuideLst xmlns:p15="http://schemas.microsoft.com/office/powerpoint/2012/main"/>
+    </p:ext>
+  </p:extLst>
 </p:presentation>
 </file>
 
@@ -256,7 +268,7 @@
           <a:p>
             <a:fld id="{AFEA2233-67FB-42C7-9026-3DB2F4D59C89}" type="datetimeFigureOut">
               <a:rPr lang="en-IN" smtClean="0"/>
-              <a:t>31-01-2023</a:t>
+              <a:t>15-02-2023</a:t>
             </a:fld>
             <a:endParaRPr lang="en-IN"/>
           </a:p>
@@ -456,7 +468,7 @@
           <a:p>
             <a:fld id="{AFEA2233-67FB-42C7-9026-3DB2F4D59C89}" type="datetimeFigureOut">
               <a:rPr lang="en-IN" smtClean="0"/>
-              <a:t>31-01-2023</a:t>
+              <a:t>15-02-2023</a:t>
             </a:fld>
             <a:endParaRPr lang="en-IN"/>
           </a:p>
@@ -666,7 +678,7 @@
           <a:p>
             <a:fld id="{AFEA2233-67FB-42C7-9026-3DB2F4D59C89}" type="datetimeFigureOut">
               <a:rPr lang="en-IN" smtClean="0"/>
-              <a:t>31-01-2023</a:t>
+              <a:t>15-02-2023</a:t>
             </a:fld>
             <a:endParaRPr lang="en-IN"/>
           </a:p>
@@ -866,7 +878,7 @@
           <a:p>
             <a:fld id="{AFEA2233-67FB-42C7-9026-3DB2F4D59C89}" type="datetimeFigureOut">
               <a:rPr lang="en-IN" smtClean="0"/>
-              <a:t>31-01-2023</a:t>
+              <a:t>15-02-2023</a:t>
             </a:fld>
             <a:endParaRPr lang="en-IN"/>
           </a:p>
@@ -1142,7 +1154,7 @@
           <a:p>
             <a:fld id="{AFEA2233-67FB-42C7-9026-3DB2F4D59C89}" type="datetimeFigureOut">
               <a:rPr lang="en-IN" smtClean="0"/>
-              <a:t>31-01-2023</a:t>
+              <a:t>15-02-2023</a:t>
             </a:fld>
             <a:endParaRPr lang="en-IN"/>
           </a:p>
@@ -1410,7 +1422,7 @@
           <a:p>
             <a:fld id="{AFEA2233-67FB-42C7-9026-3DB2F4D59C89}" type="datetimeFigureOut">
               <a:rPr lang="en-IN" smtClean="0"/>
-              <a:t>31-01-2023</a:t>
+              <a:t>15-02-2023</a:t>
             </a:fld>
             <a:endParaRPr lang="en-IN"/>
           </a:p>
@@ -1825,7 +1837,7 @@
           <a:p>
             <a:fld id="{AFEA2233-67FB-42C7-9026-3DB2F4D59C89}" type="datetimeFigureOut">
               <a:rPr lang="en-IN" smtClean="0"/>
-              <a:t>31-01-2023</a:t>
+              <a:t>15-02-2023</a:t>
             </a:fld>
             <a:endParaRPr lang="en-IN"/>
           </a:p>
@@ -1967,7 +1979,7 @@
           <a:p>
             <a:fld id="{AFEA2233-67FB-42C7-9026-3DB2F4D59C89}" type="datetimeFigureOut">
               <a:rPr lang="en-IN" smtClean="0"/>
-              <a:t>31-01-2023</a:t>
+              <a:t>15-02-2023</a:t>
             </a:fld>
             <a:endParaRPr lang="en-IN"/>
           </a:p>
@@ -2080,7 +2092,7 @@
           <a:p>
             <a:fld id="{AFEA2233-67FB-42C7-9026-3DB2F4D59C89}" type="datetimeFigureOut">
               <a:rPr lang="en-IN" smtClean="0"/>
-              <a:t>31-01-2023</a:t>
+              <a:t>15-02-2023</a:t>
             </a:fld>
             <a:endParaRPr lang="en-IN"/>
           </a:p>
@@ -2393,7 +2405,7 @@
           <a:p>
             <a:fld id="{AFEA2233-67FB-42C7-9026-3DB2F4D59C89}" type="datetimeFigureOut">
               <a:rPr lang="en-IN" smtClean="0"/>
-              <a:t>31-01-2023</a:t>
+              <a:t>15-02-2023</a:t>
             </a:fld>
             <a:endParaRPr lang="en-IN"/>
           </a:p>
@@ -2682,7 +2694,7 @@
           <a:p>
             <a:fld id="{AFEA2233-67FB-42C7-9026-3DB2F4D59C89}" type="datetimeFigureOut">
               <a:rPr lang="en-IN" smtClean="0"/>
-              <a:t>31-01-2023</a:t>
+              <a:t>15-02-2023</a:t>
             </a:fld>
             <a:endParaRPr lang="en-IN"/>
           </a:p>
@@ -2925,7 +2937,7 @@
           <a:p>
             <a:fld id="{AFEA2233-67FB-42C7-9026-3DB2F4D59C89}" type="datetimeFigureOut">
               <a:rPr lang="en-IN" smtClean="0"/>
-              <a:t>31-01-2023</a:t>
+              <a:t>15-02-2023</a:t>
             </a:fld>
             <a:endParaRPr lang="en-IN"/>
           </a:p>
@@ -3342,10 +3354,3416 @@
           <a:chExt cx="0" cy="0"/>
         </a:xfrm>
       </p:grpSpPr>
+      <p:pic>
+        <p:nvPicPr>
+          <p:cNvPr id="5" name="Picture 4">
+            <a:extLst>
+              <a:ext uri="{FF2B5EF4-FFF2-40B4-BE49-F238E27FC236}">
+                <a16:creationId xmlns:a16="http://schemas.microsoft.com/office/drawing/2014/main" id="{7F6404E6-230B-4CC8-A41E-76B8B9EDBE2C}"/>
+              </a:ext>
+            </a:extLst>
+          </p:cNvPr>
+          <p:cNvPicPr>
+            <a:picLocks noChangeAspect="1"/>
+          </p:cNvPicPr>
+          <p:nvPr/>
+        </p:nvPicPr>
+        <p:blipFill rotWithShape="1">
+          <a:blip r:embed="rId2"/>
+          <a:srcRect t="25674" r="30201" b="48510"/>
+          <a:stretch/>
+        </p:blipFill>
+        <p:spPr>
+          <a:xfrm>
+            <a:off x="132946" y="175098"/>
+            <a:ext cx="6365132" cy="1471364"/>
+          </a:xfrm>
+          <a:prstGeom prst="rect">
+            <a:avLst/>
+          </a:prstGeom>
+          <a:ln>
+            <a:solidFill>
+              <a:schemeClr val="tx1"/>
+            </a:solidFill>
+          </a:ln>
+        </p:spPr>
+      </p:pic>
     </p:spTree>
     <p:extLst>
       <p:ext uri="{BB962C8B-B14F-4D97-AF65-F5344CB8AC3E}">
         <p14:creationId xmlns:p14="http://schemas.microsoft.com/office/powerpoint/2010/main" val="1766862500"/>
+      </p:ext>
+    </p:extLst>
+  </p:cSld>
+  <p:clrMapOvr>
+    <a:masterClrMapping/>
+  </p:clrMapOvr>
+</p:sld>
+</file>
+
+<file path=ppt/slides/slide2.xml><?xml version="1.0" encoding="utf-8"?>
+<p:sld xmlns:a="http://schemas.openxmlformats.org/drawingml/2006/main" xmlns:r="http://schemas.openxmlformats.org/officeDocument/2006/relationships" xmlns:p="http://schemas.openxmlformats.org/presentationml/2006/main">
+  <p:cSld>
+    <p:spTree>
+      <p:nvGrpSpPr>
+        <p:cNvPr id="1" name=""/>
+        <p:cNvGrpSpPr/>
+        <p:nvPr/>
+      </p:nvGrpSpPr>
+      <p:grpSpPr>
+        <a:xfrm>
+          <a:off x="0" y="0"/>
+          <a:ext cx="0" cy="0"/>
+          <a:chOff x="0" y="0"/>
+          <a:chExt cx="0" cy="0"/>
+        </a:xfrm>
+      </p:grpSpPr>
+      <p:pic>
+        <p:nvPicPr>
+          <p:cNvPr id="3" name="Picture 2">
+            <a:extLst>
+              <a:ext uri="{FF2B5EF4-FFF2-40B4-BE49-F238E27FC236}">
+                <a16:creationId xmlns:a16="http://schemas.microsoft.com/office/drawing/2014/main" id="{21F4804B-987C-4D57-B136-19D155503915}"/>
+              </a:ext>
+            </a:extLst>
+          </p:cNvPr>
+          <p:cNvPicPr>
+            <a:picLocks noChangeAspect="1"/>
+          </p:cNvPicPr>
+          <p:nvPr/>
+        </p:nvPicPr>
+        <p:blipFill>
+          <a:blip r:embed="rId2"/>
+          <a:stretch>
+            <a:fillRect/>
+          </a:stretch>
+        </p:blipFill>
+        <p:spPr>
+          <a:xfrm>
+            <a:off x="182596" y="170639"/>
+            <a:ext cx="10342732" cy="5557779"/>
+          </a:xfrm>
+          <a:prstGeom prst="rect">
+            <a:avLst/>
+          </a:prstGeom>
+          <a:ln w="12700">
+            <a:solidFill>
+              <a:schemeClr val="tx1"/>
+            </a:solidFill>
+          </a:ln>
+        </p:spPr>
+      </p:pic>
+      <p:sp>
+        <p:nvSpPr>
+          <p:cNvPr id="4" name="Rectangle 3">
+            <a:extLst>
+              <a:ext uri="{FF2B5EF4-FFF2-40B4-BE49-F238E27FC236}">
+                <a16:creationId xmlns:a16="http://schemas.microsoft.com/office/drawing/2014/main" id="{A2CA04B6-ED2A-470F-9FF1-D850126A6A29}"/>
+              </a:ext>
+            </a:extLst>
+          </p:cNvPr>
+          <p:cNvSpPr/>
+          <p:nvPr/>
+        </p:nvSpPr>
+        <p:spPr>
+          <a:xfrm>
+            <a:off x="2840477" y="5330758"/>
+            <a:ext cx="7597302" cy="330741"/>
+          </a:xfrm>
+          <a:prstGeom prst="rect">
+            <a:avLst/>
+          </a:prstGeom>
+          <a:noFill/>
+          <a:ln w="25400">
+            <a:solidFill>
+              <a:srgbClr val="FF0000"/>
+            </a:solidFill>
+          </a:ln>
+        </p:spPr>
+        <p:style>
+          <a:lnRef idx="2">
+            <a:schemeClr val="accent1">
+              <a:shade val="50000"/>
+            </a:schemeClr>
+          </a:lnRef>
+          <a:fillRef idx="1">
+            <a:schemeClr val="accent1"/>
+          </a:fillRef>
+          <a:effectRef idx="0">
+            <a:schemeClr val="accent1"/>
+          </a:effectRef>
+          <a:fontRef idx="minor">
+            <a:schemeClr val="lt1"/>
+          </a:fontRef>
+        </p:style>
+        <p:txBody>
+          <a:bodyPr rtlCol="0" anchor="ctr"/>
+          <a:lstStyle/>
+          <a:p>
+            <a:pPr algn="ctr"/>
+            <a:endParaRPr lang="en-IN"/>
+          </a:p>
+        </p:txBody>
+      </p:sp>
+      <p:sp>
+        <p:nvSpPr>
+          <p:cNvPr id="5" name="Rectangle 4">
+            <a:extLst>
+              <a:ext uri="{FF2B5EF4-FFF2-40B4-BE49-F238E27FC236}">
+                <a16:creationId xmlns:a16="http://schemas.microsoft.com/office/drawing/2014/main" id="{1CE7B6A5-F8E9-49CE-9C30-BC58F293CFE1}"/>
+              </a:ext>
+            </a:extLst>
+          </p:cNvPr>
+          <p:cNvSpPr/>
+          <p:nvPr/>
+        </p:nvSpPr>
+        <p:spPr>
+          <a:xfrm>
+            <a:off x="2457856" y="590145"/>
+            <a:ext cx="2191965" cy="1044102"/>
+          </a:xfrm>
+          <a:prstGeom prst="rect">
+            <a:avLst/>
+          </a:prstGeom>
+          <a:noFill/>
+          <a:ln w="25400">
+            <a:solidFill>
+              <a:srgbClr val="FF0000"/>
+            </a:solidFill>
+          </a:ln>
+        </p:spPr>
+        <p:style>
+          <a:lnRef idx="2">
+            <a:schemeClr val="accent1">
+              <a:shade val="50000"/>
+            </a:schemeClr>
+          </a:lnRef>
+          <a:fillRef idx="1">
+            <a:schemeClr val="accent1"/>
+          </a:fillRef>
+          <a:effectRef idx="0">
+            <a:schemeClr val="accent1"/>
+          </a:effectRef>
+          <a:fontRef idx="minor">
+            <a:schemeClr val="lt1"/>
+          </a:fontRef>
+        </p:style>
+        <p:txBody>
+          <a:bodyPr rtlCol="0" anchor="ctr"/>
+          <a:lstStyle/>
+          <a:p>
+            <a:pPr algn="ctr"/>
+            <a:endParaRPr lang="en-IN"/>
+          </a:p>
+        </p:txBody>
+      </p:sp>
+    </p:spTree>
+    <p:extLst>
+      <p:ext uri="{BB962C8B-B14F-4D97-AF65-F5344CB8AC3E}">
+        <p14:creationId xmlns:p14="http://schemas.microsoft.com/office/powerpoint/2010/main" val="3759675562"/>
+      </p:ext>
+    </p:extLst>
+  </p:cSld>
+  <p:clrMapOvr>
+    <a:masterClrMapping/>
+  </p:clrMapOvr>
+</p:sld>
+</file>
+
+<file path=ppt/slides/slide3.xml><?xml version="1.0" encoding="utf-8"?>
+<p:sld xmlns:a="http://schemas.openxmlformats.org/drawingml/2006/main" xmlns:r="http://schemas.openxmlformats.org/officeDocument/2006/relationships" xmlns:p="http://schemas.openxmlformats.org/presentationml/2006/main">
+  <p:cSld>
+    <p:spTree>
+      <p:nvGrpSpPr>
+        <p:cNvPr id="1" name=""/>
+        <p:cNvGrpSpPr/>
+        <p:nvPr/>
+      </p:nvGrpSpPr>
+      <p:grpSpPr>
+        <a:xfrm>
+          <a:off x="0" y="0"/>
+          <a:ext cx="0" cy="0"/>
+          <a:chOff x="0" y="0"/>
+          <a:chExt cx="0" cy="0"/>
+        </a:xfrm>
+      </p:grpSpPr>
+      <p:pic>
+        <p:nvPicPr>
+          <p:cNvPr id="3" name="Picture 2">
+            <a:extLst>
+              <a:ext uri="{FF2B5EF4-FFF2-40B4-BE49-F238E27FC236}">
+                <a16:creationId xmlns:a16="http://schemas.microsoft.com/office/drawing/2014/main" id="{0CC4A178-660D-41CA-8A10-B11F32C63764}"/>
+              </a:ext>
+            </a:extLst>
+          </p:cNvPr>
+          <p:cNvPicPr>
+            <a:picLocks noChangeAspect="1"/>
+          </p:cNvPicPr>
+          <p:nvPr/>
+        </p:nvPicPr>
+        <p:blipFill>
+          <a:blip r:embed="rId2"/>
+          <a:stretch>
+            <a:fillRect/>
+          </a:stretch>
+        </p:blipFill>
+        <p:spPr>
+          <a:xfrm>
+            <a:off x="2032374" y="168917"/>
+            <a:ext cx="6858709" cy="2345958"/>
+          </a:xfrm>
+          <a:prstGeom prst="rect">
+            <a:avLst/>
+          </a:prstGeom>
+          <a:ln w="12700">
+            <a:solidFill>
+              <a:schemeClr val="tx1"/>
+            </a:solidFill>
+          </a:ln>
+        </p:spPr>
+      </p:pic>
+      <p:pic>
+        <p:nvPicPr>
+          <p:cNvPr id="5" name="Picture 4">
+            <a:extLst>
+              <a:ext uri="{FF2B5EF4-FFF2-40B4-BE49-F238E27FC236}">
+                <a16:creationId xmlns:a16="http://schemas.microsoft.com/office/drawing/2014/main" id="{65B430AA-9396-4DC9-8188-D530CB82AC4A}"/>
+              </a:ext>
+            </a:extLst>
+          </p:cNvPr>
+          <p:cNvPicPr>
+            <a:picLocks noChangeAspect="1"/>
+          </p:cNvPicPr>
+          <p:nvPr/>
+        </p:nvPicPr>
+        <p:blipFill>
+          <a:blip r:embed="rId3"/>
+          <a:stretch>
+            <a:fillRect/>
+          </a:stretch>
+        </p:blipFill>
+        <p:spPr>
+          <a:xfrm>
+            <a:off x="2811296" y="2226988"/>
+            <a:ext cx="6079787" cy="278160"/>
+          </a:xfrm>
+          <a:prstGeom prst="rect">
+            <a:avLst/>
+          </a:prstGeom>
+        </p:spPr>
+      </p:pic>
+      <p:sp>
+        <p:nvSpPr>
+          <p:cNvPr id="6" name="Rectangle 5">
+            <a:extLst>
+              <a:ext uri="{FF2B5EF4-FFF2-40B4-BE49-F238E27FC236}">
+                <a16:creationId xmlns:a16="http://schemas.microsoft.com/office/drawing/2014/main" id="{456E6D4B-DBAD-46F8-88D0-CF3A711B627D}"/>
+              </a:ext>
+            </a:extLst>
+          </p:cNvPr>
+          <p:cNvSpPr/>
+          <p:nvPr/>
+        </p:nvSpPr>
+        <p:spPr>
+          <a:xfrm>
+            <a:off x="2811296" y="2174406"/>
+            <a:ext cx="6079787" cy="330741"/>
+          </a:xfrm>
+          <a:prstGeom prst="rect">
+            <a:avLst/>
+          </a:prstGeom>
+          <a:noFill/>
+          <a:ln w="22225">
+            <a:solidFill>
+              <a:srgbClr val="FF0000"/>
+            </a:solidFill>
+          </a:ln>
+        </p:spPr>
+        <p:style>
+          <a:lnRef idx="2">
+            <a:schemeClr val="accent1">
+              <a:shade val="50000"/>
+            </a:schemeClr>
+          </a:lnRef>
+          <a:fillRef idx="1">
+            <a:schemeClr val="accent1"/>
+          </a:fillRef>
+          <a:effectRef idx="0">
+            <a:schemeClr val="accent1"/>
+          </a:effectRef>
+          <a:fontRef idx="minor">
+            <a:schemeClr val="lt1"/>
+          </a:fontRef>
+        </p:style>
+        <p:txBody>
+          <a:bodyPr rtlCol="0" anchor="ctr"/>
+          <a:lstStyle/>
+          <a:p>
+            <a:pPr algn="ctr"/>
+            <a:endParaRPr lang="en-IN"/>
+          </a:p>
+        </p:txBody>
+      </p:sp>
+      <p:pic>
+        <p:nvPicPr>
+          <p:cNvPr id="8" name="Picture 7">
+            <a:extLst>
+              <a:ext uri="{FF2B5EF4-FFF2-40B4-BE49-F238E27FC236}">
+                <a16:creationId xmlns:a16="http://schemas.microsoft.com/office/drawing/2014/main" id="{4E3CD0D0-8ADD-4D20-B122-D73F33FE5827}"/>
+              </a:ext>
+            </a:extLst>
+          </p:cNvPr>
+          <p:cNvPicPr>
+            <a:picLocks noChangeAspect="1"/>
+          </p:cNvPicPr>
+          <p:nvPr/>
+        </p:nvPicPr>
+        <p:blipFill>
+          <a:blip r:embed="rId4"/>
+          <a:stretch>
+            <a:fillRect/>
+          </a:stretch>
+        </p:blipFill>
+        <p:spPr>
+          <a:xfrm>
+            <a:off x="2022645" y="2708537"/>
+            <a:ext cx="9485177" cy="4022665"/>
+          </a:xfrm>
+          <a:prstGeom prst="rect">
+            <a:avLst/>
+          </a:prstGeom>
+          <a:ln w="15875">
+            <a:solidFill>
+              <a:schemeClr val="tx1"/>
+            </a:solidFill>
+          </a:ln>
+        </p:spPr>
+      </p:pic>
+      <p:sp>
+        <p:nvSpPr>
+          <p:cNvPr id="9" name="Rectangle 8">
+            <a:extLst>
+              <a:ext uri="{FF2B5EF4-FFF2-40B4-BE49-F238E27FC236}">
+                <a16:creationId xmlns:a16="http://schemas.microsoft.com/office/drawing/2014/main" id="{64E79855-F4C3-4E32-AE54-6DF319A3E726}"/>
+              </a:ext>
+            </a:extLst>
+          </p:cNvPr>
+          <p:cNvSpPr/>
+          <p:nvPr/>
+        </p:nvSpPr>
+        <p:spPr>
+          <a:xfrm>
+            <a:off x="5366428" y="3785955"/>
+            <a:ext cx="489625" cy="2954975"/>
+          </a:xfrm>
+          <a:prstGeom prst="rect">
+            <a:avLst/>
+          </a:prstGeom>
+          <a:noFill/>
+          <a:ln w="22225">
+            <a:solidFill>
+              <a:srgbClr val="FF0000"/>
+            </a:solidFill>
+          </a:ln>
+        </p:spPr>
+        <p:style>
+          <a:lnRef idx="2">
+            <a:schemeClr val="accent1">
+              <a:shade val="50000"/>
+            </a:schemeClr>
+          </a:lnRef>
+          <a:fillRef idx="1">
+            <a:schemeClr val="accent1"/>
+          </a:fillRef>
+          <a:effectRef idx="0">
+            <a:schemeClr val="accent1"/>
+          </a:effectRef>
+          <a:fontRef idx="minor">
+            <a:schemeClr val="lt1"/>
+          </a:fontRef>
+        </p:style>
+        <p:txBody>
+          <a:bodyPr rtlCol="0" anchor="ctr"/>
+          <a:lstStyle/>
+          <a:p>
+            <a:pPr algn="ctr"/>
+            <a:endParaRPr lang="en-IN"/>
+          </a:p>
+        </p:txBody>
+      </p:sp>
+      <p:pic>
+        <p:nvPicPr>
+          <p:cNvPr id="11" name="Picture 10">
+            <a:extLst>
+              <a:ext uri="{FF2B5EF4-FFF2-40B4-BE49-F238E27FC236}">
+                <a16:creationId xmlns:a16="http://schemas.microsoft.com/office/drawing/2014/main" id="{DD9FB32D-48E0-4C20-AA96-88477A2CC9A3}"/>
+              </a:ext>
+            </a:extLst>
+          </p:cNvPr>
+          <p:cNvPicPr>
+            <a:picLocks noChangeAspect="1"/>
+          </p:cNvPicPr>
+          <p:nvPr/>
+        </p:nvPicPr>
+        <p:blipFill>
+          <a:blip r:embed="rId5"/>
+          <a:stretch>
+            <a:fillRect/>
+          </a:stretch>
+        </p:blipFill>
+        <p:spPr>
+          <a:xfrm>
+            <a:off x="368401" y="3776227"/>
+            <a:ext cx="806651" cy="2954975"/>
+          </a:xfrm>
+          <a:prstGeom prst="rect">
+            <a:avLst/>
+          </a:prstGeom>
+          <a:ln w="12700">
+            <a:solidFill>
+              <a:schemeClr val="tx1"/>
+            </a:solidFill>
+          </a:ln>
+        </p:spPr>
+      </p:pic>
+      <p:sp>
+        <p:nvSpPr>
+          <p:cNvPr id="12" name="Rectangle 11">
+            <a:extLst>
+              <a:ext uri="{FF2B5EF4-FFF2-40B4-BE49-F238E27FC236}">
+                <a16:creationId xmlns:a16="http://schemas.microsoft.com/office/drawing/2014/main" id="{49E8CAB1-4E68-4119-A5BD-88F60DAEE901}"/>
+              </a:ext>
+            </a:extLst>
+          </p:cNvPr>
+          <p:cNvSpPr/>
+          <p:nvPr/>
+        </p:nvSpPr>
+        <p:spPr>
+          <a:xfrm>
+            <a:off x="458817" y="3766499"/>
+            <a:ext cx="583833" cy="2954975"/>
+          </a:xfrm>
+          <a:prstGeom prst="rect">
+            <a:avLst/>
+          </a:prstGeom>
+          <a:noFill/>
+          <a:ln w="22225">
+            <a:solidFill>
+              <a:srgbClr val="FF0000"/>
+            </a:solidFill>
+          </a:ln>
+        </p:spPr>
+        <p:style>
+          <a:lnRef idx="2">
+            <a:schemeClr val="accent1">
+              <a:shade val="50000"/>
+            </a:schemeClr>
+          </a:lnRef>
+          <a:fillRef idx="1">
+            <a:schemeClr val="accent1"/>
+          </a:fillRef>
+          <a:effectRef idx="0">
+            <a:schemeClr val="accent1"/>
+          </a:effectRef>
+          <a:fontRef idx="minor">
+            <a:schemeClr val="lt1"/>
+          </a:fontRef>
+        </p:style>
+        <p:txBody>
+          <a:bodyPr rtlCol="0" anchor="ctr"/>
+          <a:lstStyle/>
+          <a:p>
+            <a:pPr algn="ctr"/>
+            <a:endParaRPr lang="en-IN"/>
+          </a:p>
+        </p:txBody>
+      </p:sp>
+      <p:sp>
+        <p:nvSpPr>
+          <p:cNvPr id="13" name="Arrow: Right 12">
+            <a:extLst>
+              <a:ext uri="{FF2B5EF4-FFF2-40B4-BE49-F238E27FC236}">
+                <a16:creationId xmlns:a16="http://schemas.microsoft.com/office/drawing/2014/main" id="{CA071549-21D5-4AE9-BC6A-AF6908786234}"/>
+              </a:ext>
+            </a:extLst>
+          </p:cNvPr>
+          <p:cNvSpPr/>
+          <p:nvPr/>
+        </p:nvSpPr>
+        <p:spPr>
+          <a:xfrm>
+            <a:off x="1303508" y="4912468"/>
+            <a:ext cx="564204" cy="272375"/>
+          </a:xfrm>
+          <a:prstGeom prst="rightArrow">
+            <a:avLst/>
+          </a:prstGeom>
+          <a:solidFill>
+            <a:srgbClr val="FFFF00"/>
+          </a:solidFill>
+        </p:spPr>
+        <p:style>
+          <a:lnRef idx="2">
+            <a:schemeClr val="accent1">
+              <a:shade val="50000"/>
+            </a:schemeClr>
+          </a:lnRef>
+          <a:fillRef idx="1">
+            <a:schemeClr val="accent1"/>
+          </a:fillRef>
+          <a:effectRef idx="0">
+            <a:schemeClr val="accent1"/>
+          </a:effectRef>
+          <a:fontRef idx="minor">
+            <a:schemeClr val="lt1"/>
+          </a:fontRef>
+        </p:style>
+        <p:txBody>
+          <a:bodyPr rtlCol="0" anchor="ctr"/>
+          <a:lstStyle/>
+          <a:p>
+            <a:pPr algn="ctr"/>
+            <a:endParaRPr lang="en-IN"/>
+          </a:p>
+        </p:txBody>
+      </p:sp>
+      <p:sp>
+        <p:nvSpPr>
+          <p:cNvPr id="14" name="TextBox 13">
+            <a:extLst>
+              <a:ext uri="{FF2B5EF4-FFF2-40B4-BE49-F238E27FC236}">
+                <a16:creationId xmlns:a16="http://schemas.microsoft.com/office/drawing/2014/main" id="{ACF58AA3-1374-40B9-B59E-1EC121DC0581}"/>
+              </a:ext>
+            </a:extLst>
+          </p:cNvPr>
+          <p:cNvSpPr txBox="1"/>
+          <p:nvPr/>
+        </p:nvSpPr>
+        <p:spPr>
+          <a:xfrm>
+            <a:off x="7324928" y="1344605"/>
+            <a:ext cx="2972289" cy="307777"/>
+          </a:xfrm>
+          <a:prstGeom prst="rect">
+            <a:avLst/>
+          </a:prstGeom>
+          <a:solidFill>
+            <a:srgbClr val="FFFF00"/>
+          </a:solidFill>
+          <a:ln>
+            <a:solidFill>
+              <a:schemeClr val="accent1">
+                <a:shade val="50000"/>
+              </a:schemeClr>
+            </a:solidFill>
+          </a:ln>
+        </p:spPr>
+        <p:txBody>
+          <a:bodyPr wrap="none" rtlCol="0">
+            <a:spAutoFit/>
+          </a:bodyPr>
+          <a:lstStyle/>
+          <a:p>
+            <a:r>
+              <a:rPr lang="en-IN" sz="1400" dirty="0"/>
+              <a:t>It will replace entire column of sal to 0</a:t>
+            </a:r>
+          </a:p>
+        </p:txBody>
+      </p:sp>
+      <p:cxnSp>
+        <p:nvCxnSpPr>
+          <p:cNvPr id="16" name="Straight Arrow Connector 15">
+            <a:extLst>
+              <a:ext uri="{FF2B5EF4-FFF2-40B4-BE49-F238E27FC236}">
+                <a16:creationId xmlns:a16="http://schemas.microsoft.com/office/drawing/2014/main" id="{0B22FED1-C261-4E64-AD74-3A66CB148494}"/>
+              </a:ext>
+            </a:extLst>
+          </p:cNvPr>
+          <p:cNvCxnSpPr/>
+          <p:nvPr/>
+        </p:nvCxnSpPr>
+        <p:spPr>
+          <a:xfrm flipV="1">
+            <a:off x="7889132" y="1652382"/>
+            <a:ext cx="97277" cy="522024"/>
+          </a:xfrm>
+          <a:prstGeom prst="straightConnector1">
+            <a:avLst/>
+          </a:prstGeom>
+          <a:ln w="15875">
+            <a:solidFill>
+              <a:srgbClr val="FF0000"/>
+            </a:solidFill>
+            <a:tailEnd type="arrow"/>
+          </a:ln>
+        </p:spPr>
+        <p:style>
+          <a:lnRef idx="1">
+            <a:schemeClr val="accent1"/>
+          </a:lnRef>
+          <a:fillRef idx="0">
+            <a:schemeClr val="accent1"/>
+          </a:fillRef>
+          <a:effectRef idx="0">
+            <a:schemeClr val="accent1"/>
+          </a:effectRef>
+          <a:fontRef idx="minor">
+            <a:schemeClr val="tx1"/>
+          </a:fontRef>
+        </p:style>
+      </p:cxnSp>
+      <p:sp>
+        <p:nvSpPr>
+          <p:cNvPr id="17" name="Rectangle 16">
+            <a:extLst>
+              <a:ext uri="{FF2B5EF4-FFF2-40B4-BE49-F238E27FC236}">
+                <a16:creationId xmlns:a16="http://schemas.microsoft.com/office/drawing/2014/main" id="{B3671C34-F99B-4C1C-A8B5-F1D5FBB978BD}"/>
+              </a:ext>
+            </a:extLst>
+          </p:cNvPr>
+          <p:cNvSpPr/>
+          <p:nvPr/>
+        </p:nvSpPr>
+        <p:spPr>
+          <a:xfrm>
+            <a:off x="359133" y="159188"/>
+            <a:ext cx="11158417" cy="6583428"/>
+          </a:xfrm>
+          <a:prstGeom prst="rect">
+            <a:avLst/>
+          </a:prstGeom>
+          <a:noFill/>
+          <a:ln w="15875">
+            <a:solidFill>
+              <a:schemeClr val="tx1"/>
+            </a:solidFill>
+          </a:ln>
+        </p:spPr>
+        <p:style>
+          <a:lnRef idx="2">
+            <a:schemeClr val="accent1">
+              <a:shade val="50000"/>
+            </a:schemeClr>
+          </a:lnRef>
+          <a:fillRef idx="1">
+            <a:schemeClr val="accent1"/>
+          </a:fillRef>
+          <a:effectRef idx="0">
+            <a:schemeClr val="accent1"/>
+          </a:effectRef>
+          <a:fontRef idx="minor">
+            <a:schemeClr val="lt1"/>
+          </a:fontRef>
+        </p:style>
+        <p:txBody>
+          <a:bodyPr rtlCol="0" anchor="ctr"/>
+          <a:lstStyle/>
+          <a:p>
+            <a:pPr algn="ctr"/>
+            <a:endParaRPr lang="en-IN"/>
+          </a:p>
+        </p:txBody>
+      </p:sp>
+    </p:spTree>
+    <p:extLst>
+      <p:ext uri="{BB962C8B-B14F-4D97-AF65-F5344CB8AC3E}">
+        <p14:creationId xmlns:p14="http://schemas.microsoft.com/office/powerpoint/2010/main" val="3542396297"/>
+      </p:ext>
+    </p:extLst>
+  </p:cSld>
+  <p:clrMapOvr>
+    <a:masterClrMapping/>
+  </p:clrMapOvr>
+</p:sld>
+</file>
+
+<file path=ppt/slides/slide4.xml><?xml version="1.0" encoding="utf-8"?>
+<p:sld xmlns:a="http://schemas.openxmlformats.org/drawingml/2006/main" xmlns:r="http://schemas.openxmlformats.org/officeDocument/2006/relationships" xmlns:p="http://schemas.openxmlformats.org/presentationml/2006/main">
+  <p:cSld>
+    <p:spTree>
+      <p:nvGrpSpPr>
+        <p:cNvPr id="1" name=""/>
+        <p:cNvGrpSpPr/>
+        <p:nvPr/>
+      </p:nvGrpSpPr>
+      <p:grpSpPr>
+        <a:xfrm>
+          <a:off x="0" y="0"/>
+          <a:ext cx="0" cy="0"/>
+          <a:chOff x="0" y="0"/>
+          <a:chExt cx="0" cy="0"/>
+        </a:xfrm>
+      </p:grpSpPr>
+      <p:pic>
+        <p:nvPicPr>
+          <p:cNvPr id="3" name="Picture 2">
+            <a:extLst>
+              <a:ext uri="{FF2B5EF4-FFF2-40B4-BE49-F238E27FC236}">
+                <a16:creationId xmlns:a16="http://schemas.microsoft.com/office/drawing/2014/main" id="{025D8F18-A575-427D-B9E1-95D06FB09AF1}"/>
+              </a:ext>
+            </a:extLst>
+          </p:cNvPr>
+          <p:cNvPicPr>
+            <a:picLocks noChangeAspect="1"/>
+          </p:cNvPicPr>
+          <p:nvPr/>
+        </p:nvPicPr>
+        <p:blipFill>
+          <a:blip r:embed="rId2"/>
+          <a:stretch>
+            <a:fillRect/>
+          </a:stretch>
+        </p:blipFill>
+        <p:spPr>
+          <a:xfrm>
+            <a:off x="1891425" y="134363"/>
+            <a:ext cx="7340127" cy="2478640"/>
+          </a:xfrm>
+          <a:prstGeom prst="rect">
+            <a:avLst/>
+          </a:prstGeom>
+          <a:ln w="15875">
+            <a:solidFill>
+              <a:schemeClr val="tx1"/>
+            </a:solidFill>
+          </a:ln>
+        </p:spPr>
+      </p:pic>
+      <p:sp>
+        <p:nvSpPr>
+          <p:cNvPr id="6" name="TextBox 5">
+            <a:extLst>
+              <a:ext uri="{FF2B5EF4-FFF2-40B4-BE49-F238E27FC236}">
+                <a16:creationId xmlns:a16="http://schemas.microsoft.com/office/drawing/2014/main" id="{76C4ED9B-8DA4-449A-A304-1C583B734ECC}"/>
+              </a:ext>
+            </a:extLst>
+          </p:cNvPr>
+          <p:cNvSpPr txBox="1"/>
+          <p:nvPr/>
+        </p:nvSpPr>
+        <p:spPr>
+          <a:xfrm>
+            <a:off x="4017524" y="2272855"/>
+            <a:ext cx="383438" cy="307777"/>
+          </a:xfrm>
+          <a:prstGeom prst="rect">
+            <a:avLst/>
+          </a:prstGeom>
+          <a:solidFill>
+            <a:schemeClr val="bg1"/>
+          </a:solidFill>
+        </p:spPr>
+        <p:txBody>
+          <a:bodyPr wrap="none" rtlCol="0">
+            <a:spAutoFit/>
+          </a:bodyPr>
+          <a:lstStyle/>
+          <a:p>
+            <a:r>
+              <a:rPr lang="en-IN" sz="1400" dirty="0"/>
+              <a:t>sal</a:t>
+            </a:r>
+          </a:p>
+        </p:txBody>
+      </p:sp>
+      <p:sp>
+        <p:nvSpPr>
+          <p:cNvPr id="7" name="TextBox 6">
+            <a:extLst>
+              <a:ext uri="{FF2B5EF4-FFF2-40B4-BE49-F238E27FC236}">
+                <a16:creationId xmlns:a16="http://schemas.microsoft.com/office/drawing/2014/main" id="{4EBDEF80-EE5F-4FAE-8D9A-D95CC40A4AF9}"/>
+              </a:ext>
+            </a:extLst>
+          </p:cNvPr>
+          <p:cNvSpPr txBox="1"/>
+          <p:nvPr/>
+        </p:nvSpPr>
+        <p:spPr>
+          <a:xfrm>
+            <a:off x="6357964" y="2282583"/>
+            <a:ext cx="1407758" cy="307777"/>
+          </a:xfrm>
+          <a:prstGeom prst="rect">
+            <a:avLst/>
+          </a:prstGeom>
+          <a:solidFill>
+            <a:schemeClr val="bg1"/>
+          </a:solidFill>
+        </p:spPr>
+        <p:txBody>
+          <a:bodyPr wrap="none" rtlCol="0">
+            <a:spAutoFit/>
+          </a:bodyPr>
+          <a:lstStyle/>
+          <a:p>
+            <a:r>
+              <a:rPr lang="en-IN" sz="1400" dirty="0"/>
+              <a:t>Sal+(sal*10/100)</a:t>
+            </a:r>
+          </a:p>
+        </p:txBody>
+      </p:sp>
+      <p:sp>
+        <p:nvSpPr>
+          <p:cNvPr id="8" name="Rectangle 7">
+            <a:extLst>
+              <a:ext uri="{FF2B5EF4-FFF2-40B4-BE49-F238E27FC236}">
+                <a16:creationId xmlns:a16="http://schemas.microsoft.com/office/drawing/2014/main" id="{C91851D8-EA28-42AD-B251-5ED472221262}"/>
+              </a:ext>
+            </a:extLst>
+          </p:cNvPr>
+          <p:cNvSpPr/>
+          <p:nvPr/>
+        </p:nvSpPr>
+        <p:spPr>
+          <a:xfrm>
+            <a:off x="3686783" y="2263127"/>
+            <a:ext cx="5554500" cy="358753"/>
+          </a:xfrm>
+          <a:prstGeom prst="rect">
+            <a:avLst/>
+          </a:prstGeom>
+          <a:noFill/>
+          <a:ln w="22225">
+            <a:solidFill>
+              <a:srgbClr val="FF0000"/>
+            </a:solidFill>
+          </a:ln>
+        </p:spPr>
+        <p:style>
+          <a:lnRef idx="2">
+            <a:schemeClr val="accent1">
+              <a:shade val="50000"/>
+            </a:schemeClr>
+          </a:lnRef>
+          <a:fillRef idx="1">
+            <a:schemeClr val="accent1"/>
+          </a:fillRef>
+          <a:effectRef idx="0">
+            <a:schemeClr val="accent1"/>
+          </a:effectRef>
+          <a:fontRef idx="minor">
+            <a:schemeClr val="lt1"/>
+          </a:fontRef>
+        </p:style>
+        <p:txBody>
+          <a:bodyPr rtlCol="0" anchor="ctr"/>
+          <a:lstStyle/>
+          <a:p>
+            <a:pPr algn="ctr"/>
+            <a:endParaRPr lang="en-IN"/>
+          </a:p>
+        </p:txBody>
+      </p:sp>
+      <p:sp>
+        <p:nvSpPr>
+          <p:cNvPr id="9" name="TextBox 8">
+            <a:extLst>
+              <a:ext uri="{FF2B5EF4-FFF2-40B4-BE49-F238E27FC236}">
+                <a16:creationId xmlns:a16="http://schemas.microsoft.com/office/drawing/2014/main" id="{F7A10B6D-D8AF-494E-A8F8-A84FD03B53B8}"/>
+              </a:ext>
+            </a:extLst>
+          </p:cNvPr>
+          <p:cNvSpPr txBox="1"/>
+          <p:nvPr/>
+        </p:nvSpPr>
+        <p:spPr>
+          <a:xfrm>
+            <a:off x="6799637" y="1471066"/>
+            <a:ext cx="3698577" cy="307777"/>
+          </a:xfrm>
+          <a:prstGeom prst="rect">
+            <a:avLst/>
+          </a:prstGeom>
+          <a:solidFill>
+            <a:srgbClr val="FFFF00"/>
+          </a:solidFill>
+          <a:ln>
+            <a:solidFill>
+              <a:schemeClr val="accent1">
+                <a:shade val="50000"/>
+              </a:schemeClr>
+            </a:solidFill>
+          </a:ln>
+        </p:spPr>
+        <p:txBody>
+          <a:bodyPr wrap="none" rtlCol="0">
+            <a:spAutoFit/>
+          </a:bodyPr>
+          <a:lstStyle/>
+          <a:p>
+            <a:r>
+              <a:rPr lang="en-IN" sz="1400" dirty="0"/>
+              <a:t>It will replace entire column of sal with this logic</a:t>
+            </a:r>
+          </a:p>
+        </p:txBody>
+      </p:sp>
+      <p:cxnSp>
+        <p:nvCxnSpPr>
+          <p:cNvPr id="10" name="Straight Arrow Connector 9">
+            <a:extLst>
+              <a:ext uri="{FF2B5EF4-FFF2-40B4-BE49-F238E27FC236}">
+                <a16:creationId xmlns:a16="http://schemas.microsoft.com/office/drawing/2014/main" id="{63B2F6D3-540D-44AA-A88B-A8C6E98A572D}"/>
+              </a:ext>
+            </a:extLst>
+          </p:cNvPr>
+          <p:cNvCxnSpPr/>
+          <p:nvPr/>
+        </p:nvCxnSpPr>
+        <p:spPr>
+          <a:xfrm flipV="1">
+            <a:off x="8239332" y="1769115"/>
+            <a:ext cx="97277" cy="522024"/>
+          </a:xfrm>
+          <a:prstGeom prst="straightConnector1">
+            <a:avLst/>
+          </a:prstGeom>
+          <a:ln w="15875">
+            <a:solidFill>
+              <a:srgbClr val="FF0000"/>
+            </a:solidFill>
+            <a:tailEnd type="arrow"/>
+          </a:ln>
+        </p:spPr>
+        <p:style>
+          <a:lnRef idx="1">
+            <a:schemeClr val="accent1"/>
+          </a:lnRef>
+          <a:fillRef idx="0">
+            <a:schemeClr val="accent1"/>
+          </a:fillRef>
+          <a:effectRef idx="0">
+            <a:schemeClr val="accent1"/>
+          </a:effectRef>
+          <a:fontRef idx="minor">
+            <a:schemeClr val="tx1"/>
+          </a:fontRef>
+        </p:style>
+      </p:cxnSp>
+      <p:pic>
+        <p:nvPicPr>
+          <p:cNvPr id="11" name="Picture 10">
+            <a:extLst>
+              <a:ext uri="{FF2B5EF4-FFF2-40B4-BE49-F238E27FC236}">
+                <a16:creationId xmlns:a16="http://schemas.microsoft.com/office/drawing/2014/main" id="{29C40C16-47EE-4FBD-B4AF-905146BA4EA8}"/>
+              </a:ext>
+            </a:extLst>
+          </p:cNvPr>
+          <p:cNvPicPr>
+            <a:picLocks noChangeAspect="1"/>
+          </p:cNvPicPr>
+          <p:nvPr/>
+        </p:nvPicPr>
+        <p:blipFill>
+          <a:blip r:embed="rId3"/>
+          <a:stretch>
+            <a:fillRect/>
+          </a:stretch>
+        </p:blipFill>
+        <p:spPr>
+          <a:xfrm>
+            <a:off x="368401" y="3834595"/>
+            <a:ext cx="806651" cy="2954975"/>
+          </a:xfrm>
+          <a:prstGeom prst="rect">
+            <a:avLst/>
+          </a:prstGeom>
+          <a:ln w="12700">
+            <a:solidFill>
+              <a:schemeClr val="tx1"/>
+            </a:solidFill>
+          </a:ln>
+        </p:spPr>
+      </p:pic>
+      <p:sp>
+        <p:nvSpPr>
+          <p:cNvPr id="12" name="Rectangle 11">
+            <a:extLst>
+              <a:ext uri="{FF2B5EF4-FFF2-40B4-BE49-F238E27FC236}">
+                <a16:creationId xmlns:a16="http://schemas.microsoft.com/office/drawing/2014/main" id="{5EE7CB92-B356-48EA-BD95-47E2781DF8FC}"/>
+              </a:ext>
+            </a:extLst>
+          </p:cNvPr>
+          <p:cNvSpPr/>
+          <p:nvPr/>
+        </p:nvSpPr>
+        <p:spPr>
+          <a:xfrm>
+            <a:off x="458817" y="3834595"/>
+            <a:ext cx="583833" cy="2954975"/>
+          </a:xfrm>
+          <a:prstGeom prst="rect">
+            <a:avLst/>
+          </a:prstGeom>
+          <a:noFill/>
+          <a:ln w="22225">
+            <a:solidFill>
+              <a:srgbClr val="FF0000"/>
+            </a:solidFill>
+          </a:ln>
+        </p:spPr>
+        <p:style>
+          <a:lnRef idx="2">
+            <a:schemeClr val="accent1">
+              <a:shade val="50000"/>
+            </a:schemeClr>
+          </a:lnRef>
+          <a:fillRef idx="1">
+            <a:schemeClr val="accent1"/>
+          </a:fillRef>
+          <a:effectRef idx="0">
+            <a:schemeClr val="accent1"/>
+          </a:effectRef>
+          <a:fontRef idx="minor">
+            <a:schemeClr val="lt1"/>
+          </a:fontRef>
+        </p:style>
+        <p:txBody>
+          <a:bodyPr rtlCol="0" anchor="ctr"/>
+          <a:lstStyle/>
+          <a:p>
+            <a:pPr algn="ctr"/>
+            <a:endParaRPr lang="en-IN"/>
+          </a:p>
+        </p:txBody>
+      </p:sp>
+      <p:sp>
+        <p:nvSpPr>
+          <p:cNvPr id="13" name="Arrow: Right 12">
+            <a:extLst>
+              <a:ext uri="{FF2B5EF4-FFF2-40B4-BE49-F238E27FC236}">
+                <a16:creationId xmlns:a16="http://schemas.microsoft.com/office/drawing/2014/main" id="{54BA6108-B699-4368-8B8A-CFD04E78200E}"/>
+              </a:ext>
+            </a:extLst>
+          </p:cNvPr>
+          <p:cNvSpPr/>
+          <p:nvPr/>
+        </p:nvSpPr>
+        <p:spPr>
+          <a:xfrm>
+            <a:off x="1264596" y="4912468"/>
+            <a:ext cx="564204" cy="272375"/>
+          </a:xfrm>
+          <a:prstGeom prst="rightArrow">
+            <a:avLst/>
+          </a:prstGeom>
+          <a:solidFill>
+            <a:srgbClr val="FFFF00"/>
+          </a:solidFill>
+        </p:spPr>
+        <p:style>
+          <a:lnRef idx="2">
+            <a:schemeClr val="accent1">
+              <a:shade val="50000"/>
+            </a:schemeClr>
+          </a:lnRef>
+          <a:fillRef idx="1">
+            <a:schemeClr val="accent1"/>
+          </a:fillRef>
+          <a:effectRef idx="0">
+            <a:schemeClr val="accent1"/>
+          </a:effectRef>
+          <a:fontRef idx="minor">
+            <a:schemeClr val="lt1"/>
+          </a:fontRef>
+        </p:style>
+        <p:txBody>
+          <a:bodyPr rtlCol="0" anchor="ctr"/>
+          <a:lstStyle/>
+          <a:p>
+            <a:pPr algn="ctr"/>
+            <a:endParaRPr lang="en-IN"/>
+          </a:p>
+        </p:txBody>
+      </p:sp>
+      <p:pic>
+        <p:nvPicPr>
+          <p:cNvPr id="15" name="Picture 14">
+            <a:extLst>
+              <a:ext uri="{FF2B5EF4-FFF2-40B4-BE49-F238E27FC236}">
+                <a16:creationId xmlns:a16="http://schemas.microsoft.com/office/drawing/2014/main" id="{0D05D42A-D416-4195-B3EF-7669EEF68C94}"/>
+              </a:ext>
+            </a:extLst>
+          </p:cNvPr>
+          <p:cNvPicPr>
+            <a:picLocks noChangeAspect="1"/>
+          </p:cNvPicPr>
+          <p:nvPr/>
+        </p:nvPicPr>
+        <p:blipFill>
+          <a:blip r:embed="rId4"/>
+          <a:stretch>
+            <a:fillRect/>
+          </a:stretch>
+        </p:blipFill>
+        <p:spPr>
+          <a:xfrm>
+            <a:off x="1881697" y="2747869"/>
+            <a:ext cx="9635852" cy="4033440"/>
+          </a:xfrm>
+          <a:prstGeom prst="rect">
+            <a:avLst/>
+          </a:prstGeom>
+          <a:ln w="15875">
+            <a:solidFill>
+              <a:schemeClr val="tx1"/>
+            </a:solidFill>
+          </a:ln>
+        </p:spPr>
+      </p:pic>
+      <p:sp>
+        <p:nvSpPr>
+          <p:cNvPr id="16" name="Rectangle 15">
+            <a:extLst>
+              <a:ext uri="{FF2B5EF4-FFF2-40B4-BE49-F238E27FC236}">
+                <a16:creationId xmlns:a16="http://schemas.microsoft.com/office/drawing/2014/main" id="{B13B47D9-5542-4A4E-AE72-F5C18D8F8DCD}"/>
+              </a:ext>
+            </a:extLst>
+          </p:cNvPr>
+          <p:cNvSpPr/>
+          <p:nvPr/>
+        </p:nvSpPr>
+        <p:spPr>
+          <a:xfrm>
+            <a:off x="5348588" y="3826334"/>
+            <a:ext cx="643650" cy="2954975"/>
+          </a:xfrm>
+          <a:prstGeom prst="rect">
+            <a:avLst/>
+          </a:prstGeom>
+          <a:noFill/>
+          <a:ln w="22225">
+            <a:solidFill>
+              <a:srgbClr val="FF0000"/>
+            </a:solidFill>
+          </a:ln>
+        </p:spPr>
+        <p:style>
+          <a:lnRef idx="2">
+            <a:schemeClr val="accent1">
+              <a:shade val="50000"/>
+            </a:schemeClr>
+          </a:lnRef>
+          <a:fillRef idx="1">
+            <a:schemeClr val="accent1"/>
+          </a:fillRef>
+          <a:effectRef idx="0">
+            <a:schemeClr val="accent1"/>
+          </a:effectRef>
+          <a:fontRef idx="minor">
+            <a:schemeClr val="lt1"/>
+          </a:fontRef>
+        </p:style>
+        <p:txBody>
+          <a:bodyPr rtlCol="0" anchor="ctr"/>
+          <a:lstStyle/>
+          <a:p>
+            <a:pPr algn="ctr"/>
+            <a:endParaRPr lang="en-IN"/>
+          </a:p>
+        </p:txBody>
+      </p:sp>
+      <p:sp>
+        <p:nvSpPr>
+          <p:cNvPr id="17" name="Rectangle 16">
+            <a:extLst>
+              <a:ext uri="{FF2B5EF4-FFF2-40B4-BE49-F238E27FC236}">
+                <a16:creationId xmlns:a16="http://schemas.microsoft.com/office/drawing/2014/main" id="{D5AEC49C-ADF0-4D73-AA4A-93E5586CE9ED}"/>
+              </a:ext>
+            </a:extLst>
+          </p:cNvPr>
+          <p:cNvSpPr/>
+          <p:nvPr/>
+        </p:nvSpPr>
+        <p:spPr>
+          <a:xfrm>
+            <a:off x="359133" y="126798"/>
+            <a:ext cx="11168144" cy="6664458"/>
+          </a:xfrm>
+          <a:prstGeom prst="rect">
+            <a:avLst/>
+          </a:prstGeom>
+          <a:noFill/>
+          <a:ln w="15875">
+            <a:solidFill>
+              <a:schemeClr val="tx1"/>
+            </a:solidFill>
+          </a:ln>
+        </p:spPr>
+        <p:style>
+          <a:lnRef idx="2">
+            <a:schemeClr val="accent1">
+              <a:shade val="50000"/>
+            </a:schemeClr>
+          </a:lnRef>
+          <a:fillRef idx="1">
+            <a:schemeClr val="accent1"/>
+          </a:fillRef>
+          <a:effectRef idx="0">
+            <a:schemeClr val="accent1"/>
+          </a:effectRef>
+          <a:fontRef idx="minor">
+            <a:schemeClr val="lt1"/>
+          </a:fontRef>
+        </p:style>
+        <p:txBody>
+          <a:bodyPr rtlCol="0" anchor="ctr"/>
+          <a:lstStyle/>
+          <a:p>
+            <a:pPr algn="ctr"/>
+            <a:endParaRPr lang="en-IN"/>
+          </a:p>
+        </p:txBody>
+      </p:sp>
+    </p:spTree>
+    <p:extLst>
+      <p:ext uri="{BB962C8B-B14F-4D97-AF65-F5344CB8AC3E}">
+        <p14:creationId xmlns:p14="http://schemas.microsoft.com/office/powerpoint/2010/main" val="442846788"/>
+      </p:ext>
+    </p:extLst>
+  </p:cSld>
+  <p:clrMapOvr>
+    <a:masterClrMapping/>
+  </p:clrMapOvr>
+</p:sld>
+</file>
+
+<file path=ppt/slides/slide5.xml><?xml version="1.0" encoding="utf-8"?>
+<p:sld xmlns:a="http://schemas.openxmlformats.org/drawingml/2006/main" xmlns:r="http://schemas.openxmlformats.org/officeDocument/2006/relationships" xmlns:p="http://schemas.openxmlformats.org/presentationml/2006/main">
+  <p:cSld>
+    <p:spTree>
+      <p:nvGrpSpPr>
+        <p:cNvPr id="1" name=""/>
+        <p:cNvGrpSpPr/>
+        <p:nvPr/>
+      </p:nvGrpSpPr>
+      <p:grpSpPr>
+        <a:xfrm>
+          <a:off x="0" y="0"/>
+          <a:ext cx="0" cy="0"/>
+          <a:chOff x="0" y="0"/>
+          <a:chExt cx="0" cy="0"/>
+        </a:xfrm>
+      </p:grpSpPr>
+      <p:pic>
+        <p:nvPicPr>
+          <p:cNvPr id="10" name="Picture 9">
+            <a:extLst>
+              <a:ext uri="{FF2B5EF4-FFF2-40B4-BE49-F238E27FC236}">
+                <a16:creationId xmlns:a16="http://schemas.microsoft.com/office/drawing/2014/main" id="{396AEE04-3747-48B5-94B9-3B92BA90BF6E}"/>
+              </a:ext>
+            </a:extLst>
+          </p:cNvPr>
+          <p:cNvPicPr>
+            <a:picLocks noChangeAspect="1"/>
+          </p:cNvPicPr>
+          <p:nvPr/>
+        </p:nvPicPr>
+        <p:blipFill>
+          <a:blip r:embed="rId2"/>
+          <a:stretch>
+            <a:fillRect/>
+          </a:stretch>
+        </p:blipFill>
+        <p:spPr>
+          <a:xfrm>
+            <a:off x="4523366" y="207148"/>
+            <a:ext cx="7313984" cy="3019699"/>
+          </a:xfrm>
+          <a:prstGeom prst="rect">
+            <a:avLst/>
+          </a:prstGeom>
+          <a:ln w="12700">
+            <a:solidFill>
+              <a:schemeClr val="tx1"/>
+            </a:solidFill>
+          </a:ln>
+        </p:spPr>
+      </p:pic>
+      <p:sp>
+        <p:nvSpPr>
+          <p:cNvPr id="16" name="Rectangle 15">
+            <a:extLst>
+              <a:ext uri="{FF2B5EF4-FFF2-40B4-BE49-F238E27FC236}">
+                <a16:creationId xmlns:a16="http://schemas.microsoft.com/office/drawing/2014/main" id="{44637155-1779-462E-A81C-148C31879255}"/>
+              </a:ext>
+            </a:extLst>
+          </p:cNvPr>
+          <p:cNvSpPr/>
+          <p:nvPr/>
+        </p:nvSpPr>
+        <p:spPr>
+          <a:xfrm>
+            <a:off x="6284076" y="2370132"/>
+            <a:ext cx="5554500" cy="857455"/>
+          </a:xfrm>
+          <a:prstGeom prst="rect">
+            <a:avLst/>
+          </a:prstGeom>
+          <a:noFill/>
+          <a:ln w="22225">
+            <a:solidFill>
+              <a:srgbClr val="FF0000"/>
+            </a:solidFill>
+          </a:ln>
+        </p:spPr>
+        <p:style>
+          <a:lnRef idx="2">
+            <a:schemeClr val="accent1">
+              <a:shade val="50000"/>
+            </a:schemeClr>
+          </a:lnRef>
+          <a:fillRef idx="1">
+            <a:schemeClr val="accent1"/>
+          </a:fillRef>
+          <a:effectRef idx="0">
+            <a:schemeClr val="accent1"/>
+          </a:effectRef>
+          <a:fontRef idx="minor">
+            <a:schemeClr val="lt1"/>
+          </a:fontRef>
+        </p:style>
+        <p:txBody>
+          <a:bodyPr rtlCol="0" anchor="ctr"/>
+          <a:lstStyle/>
+          <a:p>
+            <a:pPr algn="ctr"/>
+            <a:endParaRPr lang="en-IN"/>
+          </a:p>
+        </p:txBody>
+      </p:sp>
+      <p:sp>
+        <p:nvSpPr>
+          <p:cNvPr id="17" name="TextBox 16">
+            <a:extLst>
+              <a:ext uri="{FF2B5EF4-FFF2-40B4-BE49-F238E27FC236}">
+                <a16:creationId xmlns:a16="http://schemas.microsoft.com/office/drawing/2014/main" id="{E7FF2F96-FEDE-4F06-A362-A7763346AAAC}"/>
+              </a:ext>
+            </a:extLst>
+          </p:cNvPr>
+          <p:cNvSpPr txBox="1"/>
+          <p:nvPr/>
+        </p:nvSpPr>
+        <p:spPr>
+          <a:xfrm>
+            <a:off x="8402837" y="1366199"/>
+            <a:ext cx="3437351" cy="307777"/>
+          </a:xfrm>
+          <a:prstGeom prst="rect">
+            <a:avLst/>
+          </a:prstGeom>
+          <a:solidFill>
+            <a:srgbClr val="FFFF00"/>
+          </a:solidFill>
+          <a:ln>
+            <a:solidFill>
+              <a:schemeClr val="accent1">
+                <a:shade val="50000"/>
+              </a:schemeClr>
+            </a:solidFill>
+          </a:ln>
+        </p:spPr>
+        <p:txBody>
+          <a:bodyPr wrap="none" rtlCol="0">
+            <a:spAutoFit/>
+          </a:bodyPr>
+          <a:lstStyle/>
+          <a:p>
+            <a:r>
+              <a:rPr lang="en-IN" sz="1400" dirty="0"/>
+              <a:t>It will add 3 new columns: Tax, HRA &amp; NetSal</a:t>
+            </a:r>
+          </a:p>
+        </p:txBody>
+      </p:sp>
+      <p:cxnSp>
+        <p:nvCxnSpPr>
+          <p:cNvPr id="18" name="Straight Arrow Connector 17">
+            <a:extLst>
+              <a:ext uri="{FF2B5EF4-FFF2-40B4-BE49-F238E27FC236}">
+                <a16:creationId xmlns:a16="http://schemas.microsoft.com/office/drawing/2014/main" id="{79976308-3470-4FC2-8332-C7A615F28B2A}"/>
+              </a:ext>
+            </a:extLst>
+          </p:cNvPr>
+          <p:cNvCxnSpPr>
+            <a:cxnSpLocks/>
+          </p:cNvCxnSpPr>
+          <p:nvPr/>
+        </p:nvCxnSpPr>
+        <p:spPr>
+          <a:xfrm flipV="1">
+            <a:off x="10330786" y="1673976"/>
+            <a:ext cx="160495" cy="704712"/>
+          </a:xfrm>
+          <a:prstGeom prst="straightConnector1">
+            <a:avLst/>
+          </a:prstGeom>
+          <a:ln w="15875">
+            <a:solidFill>
+              <a:srgbClr val="FF0000"/>
+            </a:solidFill>
+            <a:tailEnd type="arrow"/>
+          </a:ln>
+        </p:spPr>
+        <p:style>
+          <a:lnRef idx="1">
+            <a:schemeClr val="accent1"/>
+          </a:lnRef>
+          <a:fillRef idx="0">
+            <a:schemeClr val="accent1"/>
+          </a:fillRef>
+          <a:effectRef idx="0">
+            <a:schemeClr val="accent1"/>
+          </a:effectRef>
+          <a:fontRef idx="minor">
+            <a:schemeClr val="tx1"/>
+          </a:fontRef>
+        </p:style>
+      </p:cxnSp>
+      <p:sp>
+        <p:nvSpPr>
+          <p:cNvPr id="19" name="TextBox 18">
+            <a:extLst>
+              <a:ext uri="{FF2B5EF4-FFF2-40B4-BE49-F238E27FC236}">
+                <a16:creationId xmlns:a16="http://schemas.microsoft.com/office/drawing/2014/main" id="{B3261A1A-F994-450F-98ED-351ADBB3568A}"/>
+              </a:ext>
+            </a:extLst>
+          </p:cNvPr>
+          <p:cNvSpPr txBox="1"/>
+          <p:nvPr/>
+        </p:nvSpPr>
+        <p:spPr>
+          <a:xfrm>
+            <a:off x="6611094" y="2384999"/>
+            <a:ext cx="422231" cy="307777"/>
+          </a:xfrm>
+          <a:prstGeom prst="rect">
+            <a:avLst/>
+          </a:prstGeom>
+          <a:solidFill>
+            <a:schemeClr val="bg1"/>
+          </a:solidFill>
+        </p:spPr>
+        <p:txBody>
+          <a:bodyPr wrap="none" rtlCol="0">
+            <a:spAutoFit/>
+          </a:bodyPr>
+          <a:lstStyle/>
+          <a:p>
+            <a:r>
+              <a:rPr lang="en-IN" sz="1400" dirty="0"/>
+              <a:t>Tax</a:t>
+            </a:r>
+          </a:p>
+        </p:txBody>
+      </p:sp>
+      <p:sp>
+        <p:nvSpPr>
+          <p:cNvPr id="20" name="TextBox 19">
+            <a:extLst>
+              <a:ext uri="{FF2B5EF4-FFF2-40B4-BE49-F238E27FC236}">
+                <a16:creationId xmlns:a16="http://schemas.microsoft.com/office/drawing/2014/main" id="{144ADA8B-ABC5-4640-B67B-1D914DF52E2E}"/>
+              </a:ext>
+            </a:extLst>
+          </p:cNvPr>
+          <p:cNvSpPr txBox="1"/>
+          <p:nvPr/>
+        </p:nvSpPr>
+        <p:spPr>
+          <a:xfrm>
+            <a:off x="8945526" y="2389314"/>
+            <a:ext cx="1396536" cy="307777"/>
+          </a:xfrm>
+          <a:prstGeom prst="rect">
+            <a:avLst/>
+          </a:prstGeom>
+          <a:solidFill>
+            <a:schemeClr val="bg1"/>
+          </a:solidFill>
+        </p:spPr>
+        <p:txBody>
+          <a:bodyPr wrap="none" rtlCol="0">
+            <a:spAutoFit/>
+          </a:bodyPr>
+          <a:lstStyle/>
+          <a:p>
+            <a:r>
+              <a:rPr lang="en-IN" sz="1400" dirty="0"/>
+              <a:t>sal+(sal*10/100)</a:t>
+            </a:r>
+          </a:p>
+        </p:txBody>
+      </p:sp>
+      <p:sp>
+        <p:nvSpPr>
+          <p:cNvPr id="21" name="TextBox 20">
+            <a:extLst>
+              <a:ext uri="{FF2B5EF4-FFF2-40B4-BE49-F238E27FC236}">
+                <a16:creationId xmlns:a16="http://schemas.microsoft.com/office/drawing/2014/main" id="{978B9EC4-5F82-405F-A38C-CC3B32C167C6}"/>
+              </a:ext>
+            </a:extLst>
+          </p:cNvPr>
+          <p:cNvSpPr txBox="1"/>
+          <p:nvPr/>
+        </p:nvSpPr>
+        <p:spPr>
+          <a:xfrm>
+            <a:off x="6617802" y="2677909"/>
+            <a:ext cx="498855" cy="307777"/>
+          </a:xfrm>
+          <a:prstGeom prst="rect">
+            <a:avLst/>
+          </a:prstGeom>
+          <a:solidFill>
+            <a:schemeClr val="bg1"/>
+          </a:solidFill>
+        </p:spPr>
+        <p:txBody>
+          <a:bodyPr wrap="none" rtlCol="0">
+            <a:spAutoFit/>
+          </a:bodyPr>
+          <a:lstStyle/>
+          <a:p>
+            <a:r>
+              <a:rPr lang="en-IN" sz="1400" dirty="0"/>
+              <a:t>HRA</a:t>
+            </a:r>
+          </a:p>
+        </p:txBody>
+      </p:sp>
+      <p:sp>
+        <p:nvSpPr>
+          <p:cNvPr id="22" name="TextBox 21">
+            <a:extLst>
+              <a:ext uri="{FF2B5EF4-FFF2-40B4-BE49-F238E27FC236}">
+                <a16:creationId xmlns:a16="http://schemas.microsoft.com/office/drawing/2014/main" id="{6B7B2BAD-B8BE-4487-A59E-F3F3453772C8}"/>
+              </a:ext>
+            </a:extLst>
+          </p:cNvPr>
+          <p:cNvSpPr txBox="1"/>
+          <p:nvPr/>
+        </p:nvSpPr>
+        <p:spPr>
+          <a:xfrm>
+            <a:off x="6611094" y="2903738"/>
+            <a:ext cx="659796" cy="307777"/>
+          </a:xfrm>
+          <a:prstGeom prst="rect">
+            <a:avLst/>
+          </a:prstGeom>
+          <a:solidFill>
+            <a:schemeClr val="bg1"/>
+          </a:solidFill>
+        </p:spPr>
+        <p:txBody>
+          <a:bodyPr wrap="none" rtlCol="0">
+            <a:spAutoFit/>
+          </a:bodyPr>
+          <a:lstStyle/>
+          <a:p>
+            <a:r>
+              <a:rPr lang="en-IN" sz="1400" dirty="0"/>
+              <a:t>NetSal</a:t>
+            </a:r>
+          </a:p>
+        </p:txBody>
+      </p:sp>
+      <p:sp>
+        <p:nvSpPr>
+          <p:cNvPr id="23" name="TextBox 22">
+            <a:extLst>
+              <a:ext uri="{FF2B5EF4-FFF2-40B4-BE49-F238E27FC236}">
+                <a16:creationId xmlns:a16="http://schemas.microsoft.com/office/drawing/2014/main" id="{FC602F9A-86D7-4D9F-B2F9-D6B85A77AAF4}"/>
+              </a:ext>
+            </a:extLst>
+          </p:cNvPr>
+          <p:cNvSpPr txBox="1"/>
+          <p:nvPr/>
+        </p:nvSpPr>
+        <p:spPr>
+          <a:xfrm>
+            <a:off x="8956238" y="2659502"/>
+            <a:ext cx="1396536" cy="307777"/>
+          </a:xfrm>
+          <a:prstGeom prst="rect">
+            <a:avLst/>
+          </a:prstGeom>
+          <a:solidFill>
+            <a:schemeClr val="bg1"/>
+          </a:solidFill>
+        </p:spPr>
+        <p:txBody>
+          <a:bodyPr wrap="none" rtlCol="0">
+            <a:spAutoFit/>
+          </a:bodyPr>
+          <a:lstStyle/>
+          <a:p>
+            <a:r>
+              <a:rPr lang="en-IN" sz="1400" dirty="0"/>
+              <a:t>sal+(sal*20/100)</a:t>
+            </a:r>
+          </a:p>
+        </p:txBody>
+      </p:sp>
+      <p:sp>
+        <p:nvSpPr>
+          <p:cNvPr id="24" name="TextBox 23">
+            <a:extLst>
+              <a:ext uri="{FF2B5EF4-FFF2-40B4-BE49-F238E27FC236}">
+                <a16:creationId xmlns:a16="http://schemas.microsoft.com/office/drawing/2014/main" id="{D7BD8B55-B898-4681-A0C7-9F5885AA5CD6}"/>
+              </a:ext>
+            </a:extLst>
+          </p:cNvPr>
+          <p:cNvSpPr txBox="1"/>
+          <p:nvPr/>
+        </p:nvSpPr>
+        <p:spPr>
+          <a:xfrm>
+            <a:off x="8936782" y="2900506"/>
+            <a:ext cx="2545890" cy="307777"/>
+          </a:xfrm>
+          <a:prstGeom prst="rect">
+            <a:avLst/>
+          </a:prstGeom>
+          <a:solidFill>
+            <a:schemeClr val="bg1"/>
+          </a:solidFill>
+        </p:spPr>
+        <p:txBody>
+          <a:bodyPr wrap="none" rtlCol="0">
+            <a:spAutoFit/>
+          </a:bodyPr>
+          <a:lstStyle/>
+          <a:p>
+            <a:r>
+              <a:rPr lang="en-IN" sz="1400" dirty="0"/>
+              <a:t>sal - (sal*10/100) + (sal*20/100)</a:t>
+            </a:r>
+          </a:p>
+        </p:txBody>
+      </p:sp>
+      <p:pic>
+        <p:nvPicPr>
+          <p:cNvPr id="26" name="Picture 25">
+            <a:extLst>
+              <a:ext uri="{FF2B5EF4-FFF2-40B4-BE49-F238E27FC236}">
+                <a16:creationId xmlns:a16="http://schemas.microsoft.com/office/drawing/2014/main" id="{21071829-D647-4E4A-9E0D-C2D414E2C850}"/>
+              </a:ext>
+            </a:extLst>
+          </p:cNvPr>
+          <p:cNvPicPr>
+            <a:picLocks noChangeAspect="1"/>
+          </p:cNvPicPr>
+          <p:nvPr/>
+        </p:nvPicPr>
+        <p:blipFill rotWithShape="1">
+          <a:blip r:embed="rId3"/>
+          <a:srcRect b="7454"/>
+          <a:stretch/>
+        </p:blipFill>
+        <p:spPr>
+          <a:xfrm>
+            <a:off x="2266545" y="3322647"/>
+            <a:ext cx="9563915" cy="3296368"/>
+          </a:xfrm>
+          <a:prstGeom prst="rect">
+            <a:avLst/>
+          </a:prstGeom>
+          <a:ln w="15875">
+            <a:solidFill>
+              <a:schemeClr val="tx1"/>
+            </a:solidFill>
+          </a:ln>
+        </p:spPr>
+      </p:pic>
+      <p:sp>
+        <p:nvSpPr>
+          <p:cNvPr id="27" name="Rectangle 26">
+            <a:extLst>
+              <a:ext uri="{FF2B5EF4-FFF2-40B4-BE49-F238E27FC236}">
+                <a16:creationId xmlns:a16="http://schemas.microsoft.com/office/drawing/2014/main" id="{1055CD04-C58E-4FB9-A35C-8609DB42B5C0}"/>
+              </a:ext>
+            </a:extLst>
+          </p:cNvPr>
+          <p:cNvSpPr/>
+          <p:nvPr/>
+        </p:nvSpPr>
+        <p:spPr>
+          <a:xfrm>
+            <a:off x="9142375" y="4269096"/>
+            <a:ext cx="2697813" cy="2359646"/>
+          </a:xfrm>
+          <a:prstGeom prst="rect">
+            <a:avLst/>
+          </a:prstGeom>
+          <a:noFill/>
+          <a:ln w="22225">
+            <a:solidFill>
+              <a:srgbClr val="FF0000"/>
+            </a:solidFill>
+          </a:ln>
+        </p:spPr>
+        <p:style>
+          <a:lnRef idx="2">
+            <a:schemeClr val="accent1">
+              <a:shade val="50000"/>
+            </a:schemeClr>
+          </a:lnRef>
+          <a:fillRef idx="1">
+            <a:schemeClr val="accent1"/>
+          </a:fillRef>
+          <a:effectRef idx="0">
+            <a:schemeClr val="accent1"/>
+          </a:effectRef>
+          <a:fontRef idx="minor">
+            <a:schemeClr val="lt1"/>
+          </a:fontRef>
+        </p:style>
+        <p:txBody>
+          <a:bodyPr rtlCol="0" anchor="ctr"/>
+          <a:lstStyle/>
+          <a:p>
+            <a:pPr algn="ctr"/>
+            <a:endParaRPr lang="en-IN"/>
+          </a:p>
+        </p:txBody>
+      </p:sp>
+      <p:pic>
+        <p:nvPicPr>
+          <p:cNvPr id="11" name="Picture 10">
+            <a:extLst>
+              <a:ext uri="{FF2B5EF4-FFF2-40B4-BE49-F238E27FC236}">
+                <a16:creationId xmlns:a16="http://schemas.microsoft.com/office/drawing/2014/main" id="{CB22B863-A350-4EC6-A7D4-1D82C885B364}"/>
+              </a:ext>
+            </a:extLst>
+          </p:cNvPr>
+          <p:cNvPicPr>
+            <a:picLocks noChangeAspect="1"/>
+          </p:cNvPicPr>
+          <p:nvPr/>
+        </p:nvPicPr>
+        <p:blipFill rotWithShape="1">
+          <a:blip r:embed="rId4"/>
+          <a:srcRect t="10832"/>
+          <a:stretch/>
+        </p:blipFill>
+        <p:spPr>
+          <a:xfrm>
+            <a:off x="4684172" y="4519159"/>
+            <a:ext cx="642858" cy="2099856"/>
+          </a:xfrm>
+          <a:prstGeom prst="rect">
+            <a:avLst/>
+          </a:prstGeom>
+          <a:ln w="12700">
+            <a:noFill/>
+          </a:ln>
+        </p:spPr>
+      </p:pic>
+      <p:sp>
+        <p:nvSpPr>
+          <p:cNvPr id="12" name="Rectangle 11">
+            <a:extLst>
+              <a:ext uri="{FF2B5EF4-FFF2-40B4-BE49-F238E27FC236}">
+                <a16:creationId xmlns:a16="http://schemas.microsoft.com/office/drawing/2014/main" id="{FDE8A04B-F4F6-4D36-8B66-26F7C2B81EF2}"/>
+              </a:ext>
+            </a:extLst>
+          </p:cNvPr>
+          <p:cNvSpPr/>
+          <p:nvPr/>
+        </p:nvSpPr>
+        <p:spPr>
+          <a:xfrm>
+            <a:off x="4676061" y="4266237"/>
+            <a:ext cx="858978" cy="2359646"/>
+          </a:xfrm>
+          <a:prstGeom prst="rect">
+            <a:avLst/>
+          </a:prstGeom>
+          <a:noFill/>
+          <a:ln w="22225">
+            <a:solidFill>
+              <a:srgbClr val="FF0000"/>
+            </a:solidFill>
+          </a:ln>
+        </p:spPr>
+        <p:style>
+          <a:lnRef idx="2">
+            <a:schemeClr val="accent1">
+              <a:shade val="50000"/>
+            </a:schemeClr>
+          </a:lnRef>
+          <a:fillRef idx="1">
+            <a:schemeClr val="accent1"/>
+          </a:fillRef>
+          <a:effectRef idx="0">
+            <a:schemeClr val="accent1"/>
+          </a:effectRef>
+          <a:fontRef idx="minor">
+            <a:schemeClr val="lt1"/>
+          </a:fontRef>
+        </p:style>
+        <p:txBody>
+          <a:bodyPr rtlCol="0" anchor="ctr"/>
+          <a:lstStyle/>
+          <a:p>
+            <a:pPr algn="ctr"/>
+            <a:endParaRPr lang="en-IN"/>
+          </a:p>
+        </p:txBody>
+      </p:sp>
+      <p:sp>
+        <p:nvSpPr>
+          <p:cNvPr id="28" name="TextBox 27">
+            <a:extLst>
+              <a:ext uri="{FF2B5EF4-FFF2-40B4-BE49-F238E27FC236}">
+                <a16:creationId xmlns:a16="http://schemas.microsoft.com/office/drawing/2014/main" id="{084CC7F6-9DB6-48B6-AB42-DB234E7EA1F3}"/>
+              </a:ext>
+            </a:extLst>
+          </p:cNvPr>
+          <p:cNvSpPr txBox="1"/>
+          <p:nvPr/>
+        </p:nvSpPr>
+        <p:spPr>
+          <a:xfrm>
+            <a:off x="10729621" y="196680"/>
+            <a:ext cx="1108509" cy="338554"/>
+          </a:xfrm>
+          <a:prstGeom prst="rect">
+            <a:avLst/>
+          </a:prstGeom>
+          <a:solidFill>
+            <a:srgbClr val="92D050"/>
+          </a:solidFill>
+          <a:ln>
+            <a:solidFill>
+              <a:schemeClr val="accent1">
+                <a:shade val="50000"/>
+              </a:schemeClr>
+            </a:solidFill>
+          </a:ln>
+        </p:spPr>
+        <p:txBody>
+          <a:bodyPr wrap="none" rtlCol="0">
+            <a:spAutoFit/>
+          </a:bodyPr>
+          <a:lstStyle/>
+          <a:p>
+            <a:r>
+              <a:rPr lang="en-IN" sz="1600" dirty="0"/>
+              <a:t>Method 01</a:t>
+            </a:r>
+          </a:p>
+        </p:txBody>
+      </p:sp>
+      <p:pic>
+        <p:nvPicPr>
+          <p:cNvPr id="30" name="Picture 29">
+            <a:extLst>
+              <a:ext uri="{FF2B5EF4-FFF2-40B4-BE49-F238E27FC236}">
+                <a16:creationId xmlns:a16="http://schemas.microsoft.com/office/drawing/2014/main" id="{D8799523-DAD5-475B-861A-6828CA1B1E23}"/>
+              </a:ext>
+            </a:extLst>
+          </p:cNvPr>
+          <p:cNvPicPr>
+            <a:picLocks noChangeAspect="1"/>
+          </p:cNvPicPr>
+          <p:nvPr/>
+        </p:nvPicPr>
+        <p:blipFill rotWithShape="1">
+          <a:blip r:embed="rId5"/>
+          <a:srcRect l="4843" t="7162" r="1086" b="6799"/>
+          <a:stretch/>
+        </p:blipFill>
+        <p:spPr>
+          <a:xfrm>
+            <a:off x="252128" y="2040812"/>
+            <a:ext cx="5008802" cy="1196503"/>
+          </a:xfrm>
+          <a:prstGeom prst="rect">
+            <a:avLst/>
+          </a:prstGeom>
+          <a:ln w="15875">
+            <a:solidFill>
+              <a:schemeClr val="tx1"/>
+            </a:solidFill>
+          </a:ln>
+        </p:spPr>
+      </p:pic>
+      <p:sp>
+        <p:nvSpPr>
+          <p:cNvPr id="32" name="Rectangle 31">
+            <a:extLst>
+              <a:ext uri="{FF2B5EF4-FFF2-40B4-BE49-F238E27FC236}">
+                <a16:creationId xmlns:a16="http://schemas.microsoft.com/office/drawing/2014/main" id="{9CE47FA6-66E0-44C2-8931-4E92C03D4CFD}"/>
+              </a:ext>
+            </a:extLst>
+          </p:cNvPr>
+          <p:cNvSpPr/>
+          <p:nvPr/>
+        </p:nvSpPr>
+        <p:spPr>
+          <a:xfrm>
+            <a:off x="242400" y="193821"/>
+            <a:ext cx="11594950" cy="6432062"/>
+          </a:xfrm>
+          <a:prstGeom prst="rect">
+            <a:avLst/>
+          </a:prstGeom>
+          <a:noFill/>
+          <a:ln w="15875">
+            <a:solidFill>
+              <a:schemeClr val="tx1"/>
+            </a:solidFill>
+          </a:ln>
+        </p:spPr>
+        <p:style>
+          <a:lnRef idx="2">
+            <a:schemeClr val="accent1">
+              <a:shade val="50000"/>
+            </a:schemeClr>
+          </a:lnRef>
+          <a:fillRef idx="1">
+            <a:schemeClr val="accent1"/>
+          </a:fillRef>
+          <a:effectRef idx="0">
+            <a:schemeClr val="accent1"/>
+          </a:effectRef>
+          <a:fontRef idx="minor">
+            <a:schemeClr val="lt1"/>
+          </a:fontRef>
+        </p:style>
+        <p:txBody>
+          <a:bodyPr rtlCol="0" anchor="ctr"/>
+          <a:lstStyle/>
+          <a:p>
+            <a:pPr algn="ctr"/>
+            <a:endParaRPr lang="en-IN"/>
+          </a:p>
+        </p:txBody>
+      </p:sp>
+    </p:spTree>
+    <p:extLst>
+      <p:ext uri="{BB962C8B-B14F-4D97-AF65-F5344CB8AC3E}">
+        <p14:creationId xmlns:p14="http://schemas.microsoft.com/office/powerpoint/2010/main" val="2631609450"/>
+      </p:ext>
+    </p:extLst>
+  </p:cSld>
+  <p:clrMapOvr>
+    <a:masterClrMapping/>
+  </p:clrMapOvr>
+</p:sld>
+</file>
+
+<file path=ppt/slides/slide6.xml><?xml version="1.0" encoding="utf-8"?>
+<p:sld xmlns:a="http://schemas.openxmlformats.org/drawingml/2006/main" xmlns:r="http://schemas.openxmlformats.org/officeDocument/2006/relationships" xmlns:p="http://schemas.openxmlformats.org/presentationml/2006/main">
+  <p:cSld>
+    <p:spTree>
+      <p:nvGrpSpPr>
+        <p:cNvPr id="1" name=""/>
+        <p:cNvGrpSpPr/>
+        <p:nvPr/>
+      </p:nvGrpSpPr>
+      <p:grpSpPr>
+        <a:xfrm>
+          <a:off x="0" y="0"/>
+          <a:ext cx="0" cy="0"/>
+          <a:chOff x="0" y="0"/>
+          <a:chExt cx="0" cy="0"/>
+        </a:xfrm>
+      </p:grpSpPr>
+      <p:pic>
+        <p:nvPicPr>
+          <p:cNvPr id="3" name="Picture 2">
+            <a:extLst>
+              <a:ext uri="{FF2B5EF4-FFF2-40B4-BE49-F238E27FC236}">
+                <a16:creationId xmlns:a16="http://schemas.microsoft.com/office/drawing/2014/main" id="{1C83A2F3-59BA-4D49-91FB-B23D311B92D4}"/>
+              </a:ext>
+            </a:extLst>
+          </p:cNvPr>
+          <p:cNvPicPr>
+            <a:picLocks noChangeAspect="1"/>
+          </p:cNvPicPr>
+          <p:nvPr/>
+        </p:nvPicPr>
+        <p:blipFill>
+          <a:blip r:embed="rId2"/>
+          <a:stretch>
+            <a:fillRect/>
+          </a:stretch>
+        </p:blipFill>
+        <p:spPr>
+          <a:xfrm>
+            <a:off x="157668" y="1282733"/>
+            <a:ext cx="7592750" cy="2886967"/>
+          </a:xfrm>
+          <a:prstGeom prst="rect">
+            <a:avLst/>
+          </a:prstGeom>
+          <a:ln w="12700">
+            <a:solidFill>
+              <a:schemeClr val="tx1"/>
+            </a:solidFill>
+          </a:ln>
+        </p:spPr>
+      </p:pic>
+      <p:sp>
+        <p:nvSpPr>
+          <p:cNvPr id="4" name="Rectangle 3">
+            <a:extLst>
+              <a:ext uri="{FF2B5EF4-FFF2-40B4-BE49-F238E27FC236}">
+                <a16:creationId xmlns:a16="http://schemas.microsoft.com/office/drawing/2014/main" id="{D0D62DF1-AED0-4164-855B-A9CB0906B554}"/>
+              </a:ext>
+            </a:extLst>
+          </p:cNvPr>
+          <p:cNvSpPr/>
+          <p:nvPr/>
+        </p:nvSpPr>
+        <p:spPr>
+          <a:xfrm>
+            <a:off x="2006232" y="3508265"/>
+            <a:ext cx="5748611" cy="661436"/>
+          </a:xfrm>
+          <a:prstGeom prst="rect">
+            <a:avLst/>
+          </a:prstGeom>
+          <a:noFill/>
+          <a:ln w="22225">
+            <a:solidFill>
+              <a:srgbClr val="FF0000"/>
+            </a:solidFill>
+          </a:ln>
+        </p:spPr>
+        <p:style>
+          <a:lnRef idx="2">
+            <a:schemeClr val="accent1">
+              <a:shade val="50000"/>
+            </a:schemeClr>
+          </a:lnRef>
+          <a:fillRef idx="1">
+            <a:schemeClr val="accent1"/>
+          </a:fillRef>
+          <a:effectRef idx="0">
+            <a:schemeClr val="accent1"/>
+          </a:effectRef>
+          <a:fontRef idx="minor">
+            <a:schemeClr val="lt1"/>
+          </a:fontRef>
+        </p:style>
+        <p:txBody>
+          <a:bodyPr rtlCol="0" anchor="ctr"/>
+          <a:lstStyle/>
+          <a:p>
+            <a:pPr algn="ctr"/>
+            <a:endParaRPr lang="en-IN"/>
+          </a:p>
+        </p:txBody>
+      </p:sp>
+      <p:sp>
+        <p:nvSpPr>
+          <p:cNvPr id="5" name="TextBox 4">
+            <a:extLst>
+              <a:ext uri="{FF2B5EF4-FFF2-40B4-BE49-F238E27FC236}">
+                <a16:creationId xmlns:a16="http://schemas.microsoft.com/office/drawing/2014/main" id="{5DF90AC2-2817-42B1-A379-AE5BE85BDBBC}"/>
+              </a:ext>
+            </a:extLst>
+          </p:cNvPr>
+          <p:cNvSpPr txBox="1"/>
+          <p:nvPr/>
+        </p:nvSpPr>
+        <p:spPr>
+          <a:xfrm>
+            <a:off x="3980947" y="2450198"/>
+            <a:ext cx="2395720" cy="276999"/>
+          </a:xfrm>
+          <a:prstGeom prst="rect">
+            <a:avLst/>
+          </a:prstGeom>
+          <a:solidFill>
+            <a:srgbClr val="FFFF00"/>
+          </a:solidFill>
+          <a:ln>
+            <a:solidFill>
+              <a:schemeClr val="accent1">
+                <a:shade val="50000"/>
+              </a:schemeClr>
+            </a:solidFill>
+          </a:ln>
+        </p:spPr>
+        <p:txBody>
+          <a:bodyPr wrap="none" rtlCol="0">
+            <a:spAutoFit/>
+          </a:bodyPr>
+          <a:lstStyle/>
+          <a:p>
+            <a:r>
+              <a:rPr lang="en-IN" sz="1200" dirty="0"/>
+              <a:t>It will add 2 new columns: Tax, HRA</a:t>
+            </a:r>
+          </a:p>
+        </p:txBody>
+      </p:sp>
+      <p:cxnSp>
+        <p:nvCxnSpPr>
+          <p:cNvPr id="6" name="Straight Arrow Connector 5">
+            <a:extLst>
+              <a:ext uri="{FF2B5EF4-FFF2-40B4-BE49-F238E27FC236}">
+                <a16:creationId xmlns:a16="http://schemas.microsoft.com/office/drawing/2014/main" id="{1845B85E-A45D-45AC-854E-DB187A75B064}"/>
+              </a:ext>
+            </a:extLst>
+          </p:cNvPr>
+          <p:cNvCxnSpPr>
+            <a:cxnSpLocks/>
+          </p:cNvCxnSpPr>
+          <p:nvPr/>
+        </p:nvCxnSpPr>
+        <p:spPr>
+          <a:xfrm flipH="1" flipV="1">
+            <a:off x="5535036" y="2760113"/>
+            <a:ext cx="97276" cy="744933"/>
+          </a:xfrm>
+          <a:prstGeom prst="straightConnector1">
+            <a:avLst/>
+          </a:prstGeom>
+          <a:ln w="15875">
+            <a:solidFill>
+              <a:srgbClr val="FF0000"/>
+            </a:solidFill>
+            <a:tailEnd type="arrow"/>
+          </a:ln>
+        </p:spPr>
+        <p:style>
+          <a:lnRef idx="1">
+            <a:schemeClr val="accent1"/>
+          </a:lnRef>
+          <a:fillRef idx="0">
+            <a:schemeClr val="accent1"/>
+          </a:fillRef>
+          <a:effectRef idx="0">
+            <a:schemeClr val="accent1"/>
+          </a:effectRef>
+          <a:fontRef idx="minor">
+            <a:schemeClr val="tx1"/>
+          </a:fontRef>
+        </p:style>
+      </p:cxnSp>
+      <p:sp>
+        <p:nvSpPr>
+          <p:cNvPr id="7" name="TextBox 6">
+            <a:extLst>
+              <a:ext uri="{FF2B5EF4-FFF2-40B4-BE49-F238E27FC236}">
+                <a16:creationId xmlns:a16="http://schemas.microsoft.com/office/drawing/2014/main" id="{D0BD256D-B68B-4214-B696-4CB6A2D8D2E2}"/>
+              </a:ext>
+            </a:extLst>
+          </p:cNvPr>
+          <p:cNvSpPr txBox="1"/>
+          <p:nvPr/>
+        </p:nvSpPr>
+        <p:spPr>
+          <a:xfrm>
+            <a:off x="2333251" y="3523131"/>
+            <a:ext cx="422231" cy="307777"/>
+          </a:xfrm>
+          <a:prstGeom prst="rect">
+            <a:avLst/>
+          </a:prstGeom>
+          <a:solidFill>
+            <a:schemeClr val="bg1"/>
+          </a:solidFill>
+        </p:spPr>
+        <p:txBody>
+          <a:bodyPr wrap="none" rtlCol="0">
+            <a:spAutoFit/>
+          </a:bodyPr>
+          <a:lstStyle/>
+          <a:p>
+            <a:r>
+              <a:rPr lang="en-IN" sz="1400" dirty="0"/>
+              <a:t>Tax</a:t>
+            </a:r>
+          </a:p>
+        </p:txBody>
+      </p:sp>
+      <p:sp>
+        <p:nvSpPr>
+          <p:cNvPr id="8" name="TextBox 7">
+            <a:extLst>
+              <a:ext uri="{FF2B5EF4-FFF2-40B4-BE49-F238E27FC236}">
+                <a16:creationId xmlns:a16="http://schemas.microsoft.com/office/drawing/2014/main" id="{4FA3FDA0-5EEC-4D74-BBEF-20124F7133D8}"/>
+              </a:ext>
+            </a:extLst>
+          </p:cNvPr>
+          <p:cNvSpPr txBox="1"/>
+          <p:nvPr/>
+        </p:nvSpPr>
+        <p:spPr>
+          <a:xfrm>
+            <a:off x="4667683" y="3527446"/>
+            <a:ext cx="1396536" cy="307777"/>
+          </a:xfrm>
+          <a:prstGeom prst="rect">
+            <a:avLst/>
+          </a:prstGeom>
+          <a:solidFill>
+            <a:schemeClr val="bg1"/>
+          </a:solidFill>
+        </p:spPr>
+        <p:txBody>
+          <a:bodyPr wrap="none" rtlCol="0">
+            <a:spAutoFit/>
+          </a:bodyPr>
+          <a:lstStyle/>
+          <a:p>
+            <a:r>
+              <a:rPr lang="en-IN" sz="1400" dirty="0"/>
+              <a:t>sal+(sal*10/100)</a:t>
+            </a:r>
+          </a:p>
+        </p:txBody>
+      </p:sp>
+      <p:sp>
+        <p:nvSpPr>
+          <p:cNvPr id="9" name="TextBox 8">
+            <a:extLst>
+              <a:ext uri="{FF2B5EF4-FFF2-40B4-BE49-F238E27FC236}">
+                <a16:creationId xmlns:a16="http://schemas.microsoft.com/office/drawing/2014/main" id="{3C714393-5565-482D-9D58-B0BEF2D4C0F5}"/>
+              </a:ext>
+            </a:extLst>
+          </p:cNvPr>
+          <p:cNvSpPr txBox="1"/>
+          <p:nvPr/>
+        </p:nvSpPr>
+        <p:spPr>
+          <a:xfrm>
+            <a:off x="2339959" y="3816041"/>
+            <a:ext cx="498855" cy="307777"/>
+          </a:xfrm>
+          <a:prstGeom prst="rect">
+            <a:avLst/>
+          </a:prstGeom>
+          <a:solidFill>
+            <a:schemeClr val="bg1"/>
+          </a:solidFill>
+        </p:spPr>
+        <p:txBody>
+          <a:bodyPr wrap="none" rtlCol="0">
+            <a:spAutoFit/>
+          </a:bodyPr>
+          <a:lstStyle/>
+          <a:p>
+            <a:r>
+              <a:rPr lang="en-IN" sz="1400" dirty="0"/>
+              <a:t>HRA</a:t>
+            </a:r>
+          </a:p>
+        </p:txBody>
+      </p:sp>
+      <p:sp>
+        <p:nvSpPr>
+          <p:cNvPr id="11" name="TextBox 10">
+            <a:extLst>
+              <a:ext uri="{FF2B5EF4-FFF2-40B4-BE49-F238E27FC236}">
+                <a16:creationId xmlns:a16="http://schemas.microsoft.com/office/drawing/2014/main" id="{A2F8C9D7-6EBD-4BE6-9C8A-E4CBD7BC82F9}"/>
+              </a:ext>
+            </a:extLst>
+          </p:cNvPr>
+          <p:cNvSpPr txBox="1"/>
+          <p:nvPr/>
+        </p:nvSpPr>
+        <p:spPr>
+          <a:xfrm>
+            <a:off x="4678395" y="3797634"/>
+            <a:ext cx="1396536" cy="307777"/>
+          </a:xfrm>
+          <a:prstGeom prst="rect">
+            <a:avLst/>
+          </a:prstGeom>
+          <a:solidFill>
+            <a:schemeClr val="bg1"/>
+          </a:solidFill>
+        </p:spPr>
+        <p:txBody>
+          <a:bodyPr wrap="none" rtlCol="0">
+            <a:spAutoFit/>
+          </a:bodyPr>
+          <a:lstStyle/>
+          <a:p>
+            <a:r>
+              <a:rPr lang="en-IN" sz="1400" dirty="0"/>
+              <a:t>sal+(sal*20/100)</a:t>
+            </a:r>
+          </a:p>
+        </p:txBody>
+      </p:sp>
+      <p:sp>
+        <p:nvSpPr>
+          <p:cNvPr id="14" name="Rectangle 13">
+            <a:extLst>
+              <a:ext uri="{FF2B5EF4-FFF2-40B4-BE49-F238E27FC236}">
+                <a16:creationId xmlns:a16="http://schemas.microsoft.com/office/drawing/2014/main" id="{A3028902-CF13-47E1-A6C2-20920841B544}"/>
+              </a:ext>
+            </a:extLst>
+          </p:cNvPr>
+          <p:cNvSpPr/>
+          <p:nvPr/>
+        </p:nvSpPr>
+        <p:spPr>
+          <a:xfrm>
+            <a:off x="149154" y="28449"/>
+            <a:ext cx="11896928" cy="6828877"/>
+          </a:xfrm>
+          <a:prstGeom prst="rect">
+            <a:avLst/>
+          </a:prstGeom>
+          <a:noFill/>
+          <a:ln w="15875">
+            <a:solidFill>
+              <a:schemeClr val="tx1"/>
+            </a:solidFill>
+          </a:ln>
+        </p:spPr>
+        <p:style>
+          <a:lnRef idx="2">
+            <a:schemeClr val="accent1">
+              <a:shade val="50000"/>
+            </a:schemeClr>
+          </a:lnRef>
+          <a:fillRef idx="1">
+            <a:schemeClr val="accent1"/>
+          </a:fillRef>
+          <a:effectRef idx="0">
+            <a:schemeClr val="accent1"/>
+          </a:effectRef>
+          <a:fontRef idx="minor">
+            <a:schemeClr val="lt1"/>
+          </a:fontRef>
+        </p:style>
+        <p:txBody>
+          <a:bodyPr rtlCol="0" anchor="ctr"/>
+          <a:lstStyle/>
+          <a:p>
+            <a:pPr algn="ctr"/>
+            <a:endParaRPr lang="en-IN"/>
+          </a:p>
+        </p:txBody>
+      </p:sp>
+      <p:pic>
+        <p:nvPicPr>
+          <p:cNvPr id="17" name="Picture 16">
+            <a:extLst>
+              <a:ext uri="{FF2B5EF4-FFF2-40B4-BE49-F238E27FC236}">
+                <a16:creationId xmlns:a16="http://schemas.microsoft.com/office/drawing/2014/main" id="{ED01D577-57AA-49F8-AB4F-6DDE648545DA}"/>
+              </a:ext>
+            </a:extLst>
+          </p:cNvPr>
+          <p:cNvPicPr>
+            <a:picLocks noChangeAspect="1"/>
+          </p:cNvPicPr>
+          <p:nvPr/>
+        </p:nvPicPr>
+        <p:blipFill rotWithShape="1">
+          <a:blip r:embed="rId3"/>
+          <a:srcRect l="3080" t="8058" r="1067" b="7822"/>
+          <a:stretch/>
+        </p:blipFill>
+        <p:spPr>
+          <a:xfrm>
+            <a:off x="157666" y="37591"/>
+            <a:ext cx="7594813" cy="1150005"/>
+          </a:xfrm>
+          <a:prstGeom prst="rect">
+            <a:avLst/>
+          </a:prstGeom>
+          <a:ln w="12700">
+            <a:solidFill>
+              <a:schemeClr val="tx1"/>
+            </a:solidFill>
+          </a:ln>
+        </p:spPr>
+      </p:pic>
+      <p:pic>
+        <p:nvPicPr>
+          <p:cNvPr id="19" name="Picture 18">
+            <a:extLst>
+              <a:ext uri="{FF2B5EF4-FFF2-40B4-BE49-F238E27FC236}">
+                <a16:creationId xmlns:a16="http://schemas.microsoft.com/office/drawing/2014/main" id="{AAF839A6-3920-4DBE-BBC7-56B4102E1D60}"/>
+              </a:ext>
+            </a:extLst>
+          </p:cNvPr>
+          <p:cNvPicPr>
+            <a:picLocks noChangeAspect="1"/>
+          </p:cNvPicPr>
+          <p:nvPr/>
+        </p:nvPicPr>
+        <p:blipFill>
+          <a:blip r:embed="rId4"/>
+          <a:stretch>
+            <a:fillRect/>
+          </a:stretch>
+        </p:blipFill>
+        <p:spPr>
+          <a:xfrm>
+            <a:off x="152810" y="4264837"/>
+            <a:ext cx="7597607" cy="2592490"/>
+          </a:xfrm>
+          <a:prstGeom prst="rect">
+            <a:avLst/>
+          </a:prstGeom>
+          <a:ln w="15875">
+            <a:solidFill>
+              <a:schemeClr val="tx1"/>
+            </a:solidFill>
+          </a:ln>
+        </p:spPr>
+      </p:pic>
+      <p:sp>
+        <p:nvSpPr>
+          <p:cNvPr id="13" name="TextBox 12">
+            <a:extLst>
+              <a:ext uri="{FF2B5EF4-FFF2-40B4-BE49-F238E27FC236}">
+                <a16:creationId xmlns:a16="http://schemas.microsoft.com/office/drawing/2014/main" id="{B55BC3DF-A5D6-480D-A2D1-B30D7577C474}"/>
+              </a:ext>
+            </a:extLst>
+          </p:cNvPr>
+          <p:cNvSpPr txBox="1"/>
+          <p:nvPr/>
+        </p:nvSpPr>
+        <p:spPr>
+          <a:xfrm>
+            <a:off x="6652482" y="482086"/>
+            <a:ext cx="1108509" cy="338554"/>
+          </a:xfrm>
+          <a:prstGeom prst="rect">
+            <a:avLst/>
+          </a:prstGeom>
+          <a:solidFill>
+            <a:srgbClr val="92D050"/>
+          </a:solidFill>
+          <a:ln>
+            <a:solidFill>
+              <a:schemeClr val="accent1">
+                <a:shade val="50000"/>
+              </a:schemeClr>
+            </a:solidFill>
+          </a:ln>
+        </p:spPr>
+        <p:txBody>
+          <a:bodyPr wrap="none" rtlCol="0">
+            <a:spAutoFit/>
+          </a:bodyPr>
+          <a:lstStyle/>
+          <a:p>
+            <a:r>
+              <a:rPr lang="en-IN" sz="1600" dirty="0"/>
+              <a:t>Method 02</a:t>
+            </a:r>
+          </a:p>
+        </p:txBody>
+      </p:sp>
+      <p:sp>
+        <p:nvSpPr>
+          <p:cNvPr id="20" name="Rectangle 19">
+            <a:extLst>
+              <a:ext uri="{FF2B5EF4-FFF2-40B4-BE49-F238E27FC236}">
+                <a16:creationId xmlns:a16="http://schemas.microsoft.com/office/drawing/2014/main" id="{82BDCB11-FC5C-4402-B8E2-557018D3B15D}"/>
+              </a:ext>
+            </a:extLst>
+          </p:cNvPr>
+          <p:cNvSpPr/>
+          <p:nvPr/>
+        </p:nvSpPr>
+        <p:spPr>
+          <a:xfrm>
+            <a:off x="2001806" y="6515441"/>
+            <a:ext cx="5748611" cy="345104"/>
+          </a:xfrm>
+          <a:prstGeom prst="rect">
+            <a:avLst/>
+          </a:prstGeom>
+          <a:noFill/>
+          <a:ln w="22225">
+            <a:solidFill>
+              <a:srgbClr val="FF0000"/>
+            </a:solidFill>
+          </a:ln>
+        </p:spPr>
+        <p:style>
+          <a:lnRef idx="2">
+            <a:schemeClr val="accent1">
+              <a:shade val="50000"/>
+            </a:schemeClr>
+          </a:lnRef>
+          <a:fillRef idx="1">
+            <a:schemeClr val="accent1"/>
+          </a:fillRef>
+          <a:effectRef idx="0">
+            <a:schemeClr val="accent1"/>
+          </a:effectRef>
+          <a:fontRef idx="minor">
+            <a:schemeClr val="lt1"/>
+          </a:fontRef>
+        </p:style>
+        <p:txBody>
+          <a:bodyPr rtlCol="0" anchor="ctr"/>
+          <a:lstStyle/>
+          <a:p>
+            <a:pPr algn="ctr"/>
+            <a:endParaRPr lang="en-IN"/>
+          </a:p>
+        </p:txBody>
+      </p:sp>
+      <p:sp>
+        <p:nvSpPr>
+          <p:cNvPr id="21" name="TextBox 20">
+            <a:extLst>
+              <a:ext uri="{FF2B5EF4-FFF2-40B4-BE49-F238E27FC236}">
+                <a16:creationId xmlns:a16="http://schemas.microsoft.com/office/drawing/2014/main" id="{29A8DE0E-6215-4648-A051-5E8BAD36F0C7}"/>
+              </a:ext>
+            </a:extLst>
+          </p:cNvPr>
+          <p:cNvSpPr txBox="1"/>
+          <p:nvPr/>
+        </p:nvSpPr>
+        <p:spPr>
+          <a:xfrm>
+            <a:off x="3980947" y="5477275"/>
+            <a:ext cx="2195153" cy="276999"/>
+          </a:xfrm>
+          <a:prstGeom prst="rect">
+            <a:avLst/>
+          </a:prstGeom>
+          <a:solidFill>
+            <a:srgbClr val="FFFF00"/>
+          </a:solidFill>
+          <a:ln>
+            <a:solidFill>
+              <a:schemeClr val="accent1">
+                <a:shade val="50000"/>
+              </a:schemeClr>
+            </a:solidFill>
+          </a:ln>
+        </p:spPr>
+        <p:txBody>
+          <a:bodyPr wrap="none" rtlCol="0">
+            <a:spAutoFit/>
+          </a:bodyPr>
+          <a:lstStyle/>
+          <a:p>
+            <a:r>
+              <a:rPr lang="en-IN" sz="1200" dirty="0"/>
+              <a:t>It will add 1 new column: NetSal</a:t>
+            </a:r>
+          </a:p>
+        </p:txBody>
+      </p:sp>
+      <p:cxnSp>
+        <p:nvCxnSpPr>
+          <p:cNvPr id="22" name="Straight Arrow Connector 21">
+            <a:extLst>
+              <a:ext uri="{FF2B5EF4-FFF2-40B4-BE49-F238E27FC236}">
+                <a16:creationId xmlns:a16="http://schemas.microsoft.com/office/drawing/2014/main" id="{CC81BA1E-CA06-4761-879E-B0D8DB2128C8}"/>
+              </a:ext>
+            </a:extLst>
+          </p:cNvPr>
+          <p:cNvCxnSpPr>
+            <a:cxnSpLocks/>
+          </p:cNvCxnSpPr>
+          <p:nvPr/>
+        </p:nvCxnSpPr>
+        <p:spPr>
+          <a:xfrm flipH="1" flipV="1">
+            <a:off x="5437416" y="5754274"/>
+            <a:ext cx="194896" cy="715163"/>
+          </a:xfrm>
+          <a:prstGeom prst="straightConnector1">
+            <a:avLst/>
+          </a:prstGeom>
+          <a:ln w="15875">
+            <a:solidFill>
+              <a:srgbClr val="FF0000"/>
+            </a:solidFill>
+            <a:tailEnd type="arrow"/>
+          </a:ln>
+        </p:spPr>
+        <p:style>
+          <a:lnRef idx="1">
+            <a:schemeClr val="accent1"/>
+          </a:lnRef>
+          <a:fillRef idx="0">
+            <a:schemeClr val="accent1"/>
+          </a:fillRef>
+          <a:effectRef idx="0">
+            <a:schemeClr val="accent1"/>
+          </a:effectRef>
+          <a:fontRef idx="minor">
+            <a:schemeClr val="tx1"/>
+          </a:fontRef>
+        </p:style>
+      </p:cxnSp>
+      <p:sp>
+        <p:nvSpPr>
+          <p:cNvPr id="24" name="TextBox 23">
+            <a:extLst>
+              <a:ext uri="{FF2B5EF4-FFF2-40B4-BE49-F238E27FC236}">
+                <a16:creationId xmlns:a16="http://schemas.microsoft.com/office/drawing/2014/main" id="{58428093-3F48-4C20-A1FE-BF869976E80F}"/>
+              </a:ext>
+            </a:extLst>
+          </p:cNvPr>
+          <p:cNvSpPr txBox="1"/>
+          <p:nvPr/>
+        </p:nvSpPr>
+        <p:spPr>
+          <a:xfrm>
+            <a:off x="2375965" y="6529139"/>
+            <a:ext cx="659796" cy="307777"/>
+          </a:xfrm>
+          <a:prstGeom prst="rect">
+            <a:avLst/>
+          </a:prstGeom>
+          <a:solidFill>
+            <a:schemeClr val="bg1"/>
+          </a:solidFill>
+        </p:spPr>
+        <p:txBody>
+          <a:bodyPr wrap="none" rtlCol="0">
+            <a:spAutoFit/>
+          </a:bodyPr>
+          <a:lstStyle/>
+          <a:p>
+            <a:r>
+              <a:rPr lang="en-IN" sz="1400" dirty="0"/>
+              <a:t>NetSal</a:t>
+            </a:r>
+          </a:p>
+        </p:txBody>
+      </p:sp>
+      <p:sp>
+        <p:nvSpPr>
+          <p:cNvPr id="25" name="TextBox 24">
+            <a:extLst>
+              <a:ext uri="{FF2B5EF4-FFF2-40B4-BE49-F238E27FC236}">
+                <a16:creationId xmlns:a16="http://schemas.microsoft.com/office/drawing/2014/main" id="{5738E0EB-59EF-4D40-8C91-1832E9FBDEEA}"/>
+              </a:ext>
+            </a:extLst>
+          </p:cNvPr>
+          <p:cNvSpPr txBox="1"/>
+          <p:nvPr/>
+        </p:nvSpPr>
+        <p:spPr>
+          <a:xfrm>
+            <a:off x="4799902" y="6539546"/>
+            <a:ext cx="1275029" cy="307777"/>
+          </a:xfrm>
+          <a:prstGeom prst="rect">
+            <a:avLst/>
+          </a:prstGeom>
+          <a:solidFill>
+            <a:schemeClr val="bg1"/>
+          </a:solidFill>
+        </p:spPr>
+        <p:txBody>
+          <a:bodyPr wrap="none" rtlCol="0">
+            <a:spAutoFit/>
+          </a:bodyPr>
+          <a:lstStyle/>
+          <a:p>
+            <a:r>
+              <a:rPr lang="en-IN" sz="1400" dirty="0"/>
+              <a:t>sal – Tax + HRA</a:t>
+            </a:r>
+          </a:p>
+        </p:txBody>
+      </p:sp>
+      <p:pic>
+        <p:nvPicPr>
+          <p:cNvPr id="27" name="Picture 26">
+            <a:extLst>
+              <a:ext uri="{FF2B5EF4-FFF2-40B4-BE49-F238E27FC236}">
+                <a16:creationId xmlns:a16="http://schemas.microsoft.com/office/drawing/2014/main" id="{0B3EBFF5-B77C-47E7-A861-AB7606795578}"/>
+              </a:ext>
+            </a:extLst>
+          </p:cNvPr>
+          <p:cNvPicPr>
+            <a:picLocks noChangeAspect="1"/>
+          </p:cNvPicPr>
+          <p:nvPr/>
+        </p:nvPicPr>
+        <p:blipFill>
+          <a:blip r:embed="rId5"/>
+          <a:stretch>
+            <a:fillRect/>
+          </a:stretch>
+        </p:blipFill>
+        <p:spPr>
+          <a:xfrm>
+            <a:off x="6445697" y="1257915"/>
+            <a:ext cx="5590657" cy="2180156"/>
+          </a:xfrm>
+          <a:prstGeom prst="rect">
+            <a:avLst/>
+          </a:prstGeom>
+          <a:ln w="15875">
+            <a:solidFill>
+              <a:schemeClr val="tx1"/>
+            </a:solidFill>
+          </a:ln>
+        </p:spPr>
+      </p:pic>
+      <p:sp>
+        <p:nvSpPr>
+          <p:cNvPr id="30" name="Rectangle 29">
+            <a:extLst>
+              <a:ext uri="{FF2B5EF4-FFF2-40B4-BE49-F238E27FC236}">
+                <a16:creationId xmlns:a16="http://schemas.microsoft.com/office/drawing/2014/main" id="{6BF03852-E830-4B8F-BF7E-A9F89636DC6E}"/>
+              </a:ext>
+            </a:extLst>
+          </p:cNvPr>
+          <p:cNvSpPr/>
+          <p:nvPr/>
+        </p:nvSpPr>
+        <p:spPr>
+          <a:xfrm>
+            <a:off x="10953343" y="1809379"/>
+            <a:ext cx="1092739" cy="1638419"/>
+          </a:xfrm>
+          <a:prstGeom prst="rect">
+            <a:avLst/>
+          </a:prstGeom>
+          <a:noFill/>
+          <a:ln w="22225">
+            <a:solidFill>
+              <a:srgbClr val="FF0000"/>
+            </a:solidFill>
+          </a:ln>
+        </p:spPr>
+        <p:style>
+          <a:lnRef idx="2">
+            <a:schemeClr val="accent1">
+              <a:shade val="50000"/>
+            </a:schemeClr>
+          </a:lnRef>
+          <a:fillRef idx="1">
+            <a:schemeClr val="accent1"/>
+          </a:fillRef>
+          <a:effectRef idx="0">
+            <a:schemeClr val="accent1"/>
+          </a:effectRef>
+          <a:fontRef idx="minor">
+            <a:schemeClr val="lt1"/>
+          </a:fontRef>
+        </p:style>
+        <p:txBody>
+          <a:bodyPr rtlCol="0" anchor="ctr"/>
+          <a:lstStyle/>
+          <a:p>
+            <a:pPr algn="ctr"/>
+            <a:endParaRPr lang="en-IN"/>
+          </a:p>
+        </p:txBody>
+      </p:sp>
+      <p:pic>
+        <p:nvPicPr>
+          <p:cNvPr id="32" name="Picture 31">
+            <a:extLst>
+              <a:ext uri="{FF2B5EF4-FFF2-40B4-BE49-F238E27FC236}">
+                <a16:creationId xmlns:a16="http://schemas.microsoft.com/office/drawing/2014/main" id="{E2AD4451-7F9B-4E22-B5B5-25752412257D}"/>
+              </a:ext>
+            </a:extLst>
+          </p:cNvPr>
+          <p:cNvPicPr>
+            <a:picLocks noChangeAspect="1"/>
+          </p:cNvPicPr>
+          <p:nvPr/>
+        </p:nvPicPr>
+        <p:blipFill>
+          <a:blip r:embed="rId6"/>
+          <a:stretch>
+            <a:fillRect/>
+          </a:stretch>
+        </p:blipFill>
+        <p:spPr>
+          <a:xfrm>
+            <a:off x="6248400" y="4358693"/>
+            <a:ext cx="5748611" cy="2237164"/>
+          </a:xfrm>
+          <a:prstGeom prst="rect">
+            <a:avLst/>
+          </a:prstGeom>
+          <a:ln w="12700">
+            <a:solidFill>
+              <a:schemeClr val="tx1"/>
+            </a:solidFill>
+          </a:ln>
+        </p:spPr>
+      </p:pic>
+      <p:sp>
+        <p:nvSpPr>
+          <p:cNvPr id="35" name="Rectangle 34">
+            <a:extLst>
+              <a:ext uri="{FF2B5EF4-FFF2-40B4-BE49-F238E27FC236}">
+                <a16:creationId xmlns:a16="http://schemas.microsoft.com/office/drawing/2014/main" id="{90F00139-CED4-4F30-827C-3150DB6CB8BF}"/>
+              </a:ext>
+            </a:extLst>
+          </p:cNvPr>
+          <p:cNvSpPr/>
+          <p:nvPr/>
+        </p:nvSpPr>
+        <p:spPr>
+          <a:xfrm>
+            <a:off x="11653734" y="4901127"/>
+            <a:ext cx="343277" cy="1694730"/>
+          </a:xfrm>
+          <a:prstGeom prst="rect">
+            <a:avLst/>
+          </a:prstGeom>
+          <a:noFill/>
+          <a:ln w="22225">
+            <a:solidFill>
+              <a:srgbClr val="FF0000"/>
+            </a:solidFill>
+          </a:ln>
+        </p:spPr>
+        <p:style>
+          <a:lnRef idx="2">
+            <a:schemeClr val="accent1">
+              <a:shade val="50000"/>
+            </a:schemeClr>
+          </a:lnRef>
+          <a:fillRef idx="1">
+            <a:schemeClr val="accent1"/>
+          </a:fillRef>
+          <a:effectRef idx="0">
+            <a:schemeClr val="accent1"/>
+          </a:effectRef>
+          <a:fontRef idx="minor">
+            <a:schemeClr val="lt1"/>
+          </a:fontRef>
+        </p:style>
+        <p:txBody>
+          <a:bodyPr rtlCol="0" anchor="ctr"/>
+          <a:lstStyle/>
+          <a:p>
+            <a:pPr algn="ctr"/>
+            <a:endParaRPr lang="en-IN"/>
+          </a:p>
+        </p:txBody>
+      </p:sp>
+    </p:spTree>
+    <p:extLst>
+      <p:ext uri="{BB962C8B-B14F-4D97-AF65-F5344CB8AC3E}">
+        <p14:creationId xmlns:p14="http://schemas.microsoft.com/office/powerpoint/2010/main" val="485668412"/>
+      </p:ext>
+    </p:extLst>
+  </p:cSld>
+  <p:clrMapOvr>
+    <a:masterClrMapping/>
+  </p:clrMapOvr>
+</p:sld>
+</file>
+
+<file path=ppt/slides/slide7.xml><?xml version="1.0" encoding="utf-8"?>
+<p:sld xmlns:a="http://schemas.openxmlformats.org/drawingml/2006/main" xmlns:r="http://schemas.openxmlformats.org/officeDocument/2006/relationships" xmlns:p="http://schemas.openxmlformats.org/presentationml/2006/main">
+  <p:cSld>
+    <p:spTree>
+      <p:nvGrpSpPr>
+        <p:cNvPr id="1" name=""/>
+        <p:cNvGrpSpPr/>
+        <p:nvPr/>
+      </p:nvGrpSpPr>
+      <p:grpSpPr>
+        <a:xfrm>
+          <a:off x="0" y="0"/>
+          <a:ext cx="0" cy="0"/>
+          <a:chOff x="0" y="0"/>
+          <a:chExt cx="0" cy="0"/>
+        </a:xfrm>
+      </p:grpSpPr>
+      <p:pic>
+        <p:nvPicPr>
+          <p:cNvPr id="3" name="Picture 2">
+            <a:extLst>
+              <a:ext uri="{FF2B5EF4-FFF2-40B4-BE49-F238E27FC236}">
+                <a16:creationId xmlns:a16="http://schemas.microsoft.com/office/drawing/2014/main" id="{243CD267-880A-4DB7-9BB6-20E6F796C961}"/>
+              </a:ext>
+            </a:extLst>
+          </p:cNvPr>
+          <p:cNvPicPr>
+            <a:picLocks noChangeAspect="1"/>
+          </p:cNvPicPr>
+          <p:nvPr/>
+        </p:nvPicPr>
+        <p:blipFill>
+          <a:blip r:embed="rId2"/>
+          <a:stretch>
+            <a:fillRect/>
+          </a:stretch>
+        </p:blipFill>
+        <p:spPr>
+          <a:xfrm>
+            <a:off x="145915" y="126833"/>
+            <a:ext cx="9533106" cy="5346575"/>
+          </a:xfrm>
+          <a:prstGeom prst="rect">
+            <a:avLst/>
+          </a:prstGeom>
+          <a:ln w="12700">
+            <a:noFill/>
+          </a:ln>
+        </p:spPr>
+      </p:pic>
+      <p:pic>
+        <p:nvPicPr>
+          <p:cNvPr id="5" name="Picture 4">
+            <a:extLst>
+              <a:ext uri="{FF2B5EF4-FFF2-40B4-BE49-F238E27FC236}">
+                <a16:creationId xmlns:a16="http://schemas.microsoft.com/office/drawing/2014/main" id="{A197E558-18FF-4E85-8EF6-104410760011}"/>
+              </a:ext>
+            </a:extLst>
+          </p:cNvPr>
+          <p:cNvPicPr>
+            <a:picLocks noChangeAspect="1"/>
+          </p:cNvPicPr>
+          <p:nvPr/>
+        </p:nvPicPr>
+        <p:blipFill rotWithShape="1">
+          <a:blip r:embed="rId3"/>
+          <a:srcRect l="1969" t="-734" r="94" b="5430"/>
+          <a:stretch/>
+        </p:blipFill>
+        <p:spPr>
+          <a:xfrm>
+            <a:off x="145915" y="131695"/>
+            <a:ext cx="10379413" cy="1289207"/>
+          </a:xfrm>
+          <a:prstGeom prst="rect">
+            <a:avLst/>
+          </a:prstGeom>
+          <a:ln w="15875">
+            <a:solidFill>
+              <a:schemeClr val="tx1"/>
+            </a:solidFill>
+          </a:ln>
+        </p:spPr>
+      </p:pic>
+      <p:sp>
+        <p:nvSpPr>
+          <p:cNvPr id="6" name="Rectangle 5">
+            <a:extLst>
+              <a:ext uri="{FF2B5EF4-FFF2-40B4-BE49-F238E27FC236}">
+                <a16:creationId xmlns:a16="http://schemas.microsoft.com/office/drawing/2014/main" id="{3FE4116B-3A3F-409E-8ED7-95E44649E8CC}"/>
+              </a:ext>
+            </a:extLst>
+          </p:cNvPr>
+          <p:cNvSpPr/>
+          <p:nvPr/>
+        </p:nvSpPr>
+        <p:spPr>
+          <a:xfrm>
+            <a:off x="145915" y="121967"/>
+            <a:ext cx="11931414" cy="6609200"/>
+          </a:xfrm>
+          <a:prstGeom prst="rect">
+            <a:avLst/>
+          </a:prstGeom>
+          <a:noFill/>
+          <a:ln w="19050">
+            <a:solidFill>
+              <a:schemeClr val="tx1"/>
+            </a:solidFill>
+          </a:ln>
+        </p:spPr>
+        <p:style>
+          <a:lnRef idx="2">
+            <a:schemeClr val="accent1">
+              <a:shade val="50000"/>
+            </a:schemeClr>
+          </a:lnRef>
+          <a:fillRef idx="1">
+            <a:schemeClr val="accent1"/>
+          </a:fillRef>
+          <a:effectRef idx="0">
+            <a:schemeClr val="accent1"/>
+          </a:effectRef>
+          <a:fontRef idx="minor">
+            <a:schemeClr val="lt1"/>
+          </a:fontRef>
+        </p:style>
+        <p:txBody>
+          <a:bodyPr rtlCol="0" anchor="ctr"/>
+          <a:lstStyle/>
+          <a:p>
+            <a:pPr algn="ctr"/>
+            <a:endParaRPr lang="en-IN"/>
+          </a:p>
+        </p:txBody>
+      </p:sp>
+      <p:sp>
+        <p:nvSpPr>
+          <p:cNvPr id="7" name="Rectangle 6">
+            <a:extLst>
+              <a:ext uri="{FF2B5EF4-FFF2-40B4-BE49-F238E27FC236}">
+                <a16:creationId xmlns:a16="http://schemas.microsoft.com/office/drawing/2014/main" id="{08574809-9BEA-455F-B19F-636E21C4044E}"/>
+              </a:ext>
+            </a:extLst>
+          </p:cNvPr>
+          <p:cNvSpPr/>
+          <p:nvPr/>
+        </p:nvSpPr>
+        <p:spPr>
+          <a:xfrm>
+            <a:off x="2512979" y="3939701"/>
+            <a:ext cx="4899497" cy="194553"/>
+          </a:xfrm>
+          <a:prstGeom prst="rect">
+            <a:avLst/>
+          </a:prstGeom>
+          <a:noFill/>
+          <a:ln w="22225">
+            <a:solidFill>
+              <a:srgbClr val="FF0000"/>
+            </a:solidFill>
+          </a:ln>
+        </p:spPr>
+        <p:style>
+          <a:lnRef idx="2">
+            <a:schemeClr val="accent1">
+              <a:shade val="50000"/>
+            </a:schemeClr>
+          </a:lnRef>
+          <a:fillRef idx="1">
+            <a:schemeClr val="accent1"/>
+          </a:fillRef>
+          <a:effectRef idx="0">
+            <a:schemeClr val="accent1"/>
+          </a:effectRef>
+          <a:fontRef idx="minor">
+            <a:schemeClr val="lt1"/>
+          </a:fontRef>
+        </p:style>
+        <p:txBody>
+          <a:bodyPr rtlCol="0" anchor="ctr"/>
+          <a:lstStyle/>
+          <a:p>
+            <a:pPr algn="ctr"/>
+            <a:endParaRPr lang="en-IN"/>
+          </a:p>
+        </p:txBody>
+      </p:sp>
+      <p:pic>
+        <p:nvPicPr>
+          <p:cNvPr id="9" name="Picture 8">
+            <a:extLst>
+              <a:ext uri="{FF2B5EF4-FFF2-40B4-BE49-F238E27FC236}">
+                <a16:creationId xmlns:a16="http://schemas.microsoft.com/office/drawing/2014/main" id="{5FB5396B-AA4C-48D8-A533-5D86F3415DC4}"/>
+              </a:ext>
+            </a:extLst>
+          </p:cNvPr>
+          <p:cNvPicPr>
+            <a:picLocks noChangeAspect="1"/>
+          </p:cNvPicPr>
+          <p:nvPr/>
+        </p:nvPicPr>
+        <p:blipFill>
+          <a:blip r:embed="rId4"/>
+          <a:stretch>
+            <a:fillRect/>
+          </a:stretch>
+        </p:blipFill>
+        <p:spPr>
+          <a:xfrm>
+            <a:off x="6889615" y="4766553"/>
+            <a:ext cx="5187714" cy="1951689"/>
+          </a:xfrm>
+          <a:prstGeom prst="rect">
+            <a:avLst/>
+          </a:prstGeom>
+          <a:ln w="15875">
+            <a:solidFill>
+              <a:schemeClr val="tx1"/>
+            </a:solidFill>
+          </a:ln>
+        </p:spPr>
+      </p:pic>
+      <p:sp>
+        <p:nvSpPr>
+          <p:cNvPr id="10" name="Rectangle 9">
+            <a:extLst>
+              <a:ext uri="{FF2B5EF4-FFF2-40B4-BE49-F238E27FC236}">
+                <a16:creationId xmlns:a16="http://schemas.microsoft.com/office/drawing/2014/main" id="{27B4ECAF-164D-4FF5-A5CC-CC168A3E522C}"/>
+              </a:ext>
+            </a:extLst>
+          </p:cNvPr>
+          <p:cNvSpPr/>
+          <p:nvPr/>
+        </p:nvSpPr>
+        <p:spPr>
+          <a:xfrm>
+            <a:off x="7237379" y="5282119"/>
+            <a:ext cx="4857967" cy="956532"/>
+          </a:xfrm>
+          <a:prstGeom prst="rect">
+            <a:avLst/>
+          </a:prstGeom>
+          <a:noFill/>
+          <a:ln w="22225">
+            <a:solidFill>
+              <a:srgbClr val="FF0000"/>
+            </a:solidFill>
+          </a:ln>
+        </p:spPr>
+        <p:style>
+          <a:lnRef idx="2">
+            <a:schemeClr val="accent1">
+              <a:shade val="50000"/>
+            </a:schemeClr>
+          </a:lnRef>
+          <a:fillRef idx="1">
+            <a:schemeClr val="accent1"/>
+          </a:fillRef>
+          <a:effectRef idx="0">
+            <a:schemeClr val="accent1"/>
+          </a:effectRef>
+          <a:fontRef idx="minor">
+            <a:schemeClr val="lt1"/>
+          </a:fontRef>
+        </p:style>
+        <p:txBody>
+          <a:bodyPr rtlCol="0" anchor="ctr"/>
+          <a:lstStyle/>
+          <a:p>
+            <a:pPr algn="ctr"/>
+            <a:endParaRPr lang="en-IN"/>
+          </a:p>
+        </p:txBody>
+      </p:sp>
+      <p:sp>
+        <p:nvSpPr>
+          <p:cNvPr id="11" name="Rectangle 10">
+            <a:extLst>
+              <a:ext uri="{FF2B5EF4-FFF2-40B4-BE49-F238E27FC236}">
+                <a16:creationId xmlns:a16="http://schemas.microsoft.com/office/drawing/2014/main" id="{2CE1637F-DC9A-47CC-AC23-04A560F40186}"/>
+              </a:ext>
+            </a:extLst>
+          </p:cNvPr>
+          <p:cNvSpPr/>
+          <p:nvPr/>
+        </p:nvSpPr>
+        <p:spPr>
+          <a:xfrm>
+            <a:off x="2522708" y="4682598"/>
+            <a:ext cx="4121284" cy="687070"/>
+          </a:xfrm>
+          <a:prstGeom prst="rect">
+            <a:avLst/>
+          </a:prstGeom>
+          <a:noFill/>
+          <a:ln w="22225">
+            <a:solidFill>
+              <a:srgbClr val="FF0000"/>
+            </a:solidFill>
+          </a:ln>
+        </p:spPr>
+        <p:style>
+          <a:lnRef idx="2">
+            <a:schemeClr val="accent1">
+              <a:shade val="50000"/>
+            </a:schemeClr>
+          </a:lnRef>
+          <a:fillRef idx="1">
+            <a:schemeClr val="accent1"/>
+          </a:fillRef>
+          <a:effectRef idx="0">
+            <a:schemeClr val="accent1"/>
+          </a:effectRef>
+          <a:fontRef idx="minor">
+            <a:schemeClr val="lt1"/>
+          </a:fontRef>
+        </p:style>
+        <p:txBody>
+          <a:bodyPr rtlCol="0" anchor="ctr"/>
+          <a:lstStyle/>
+          <a:p>
+            <a:pPr algn="ctr"/>
+            <a:endParaRPr lang="en-IN"/>
+          </a:p>
+        </p:txBody>
+      </p:sp>
+      <p:sp>
+        <p:nvSpPr>
+          <p:cNvPr id="12" name="Rectangle 11">
+            <a:extLst>
+              <a:ext uri="{FF2B5EF4-FFF2-40B4-BE49-F238E27FC236}">
+                <a16:creationId xmlns:a16="http://schemas.microsoft.com/office/drawing/2014/main" id="{256F81C7-ED10-413F-9909-ADD6773C63C0}"/>
+              </a:ext>
+            </a:extLst>
+          </p:cNvPr>
+          <p:cNvSpPr/>
+          <p:nvPr/>
+        </p:nvSpPr>
+        <p:spPr>
+          <a:xfrm>
+            <a:off x="7918313" y="212945"/>
+            <a:ext cx="2607015" cy="1217685"/>
+          </a:xfrm>
+          <a:prstGeom prst="rect">
+            <a:avLst/>
+          </a:prstGeom>
+          <a:noFill/>
+          <a:ln w="22225">
+            <a:solidFill>
+              <a:srgbClr val="FF0000"/>
+            </a:solidFill>
+          </a:ln>
+        </p:spPr>
+        <p:style>
+          <a:lnRef idx="2">
+            <a:schemeClr val="accent1">
+              <a:shade val="50000"/>
+            </a:schemeClr>
+          </a:lnRef>
+          <a:fillRef idx="1">
+            <a:schemeClr val="accent1"/>
+          </a:fillRef>
+          <a:effectRef idx="0">
+            <a:schemeClr val="accent1"/>
+          </a:effectRef>
+          <a:fontRef idx="minor">
+            <a:schemeClr val="lt1"/>
+          </a:fontRef>
+        </p:style>
+        <p:txBody>
+          <a:bodyPr rtlCol="0" anchor="ctr"/>
+          <a:lstStyle/>
+          <a:p>
+            <a:pPr algn="ctr"/>
+            <a:endParaRPr lang="en-IN"/>
+          </a:p>
+        </p:txBody>
+      </p:sp>
+      <p:sp>
+        <p:nvSpPr>
+          <p:cNvPr id="13" name="TextBox 12">
+            <a:extLst>
+              <a:ext uri="{FF2B5EF4-FFF2-40B4-BE49-F238E27FC236}">
+                <a16:creationId xmlns:a16="http://schemas.microsoft.com/office/drawing/2014/main" id="{CEE97BA8-C487-4526-88D5-8CA951BC7361}"/>
+              </a:ext>
+            </a:extLst>
+          </p:cNvPr>
+          <p:cNvSpPr txBox="1"/>
+          <p:nvPr/>
+        </p:nvSpPr>
+        <p:spPr>
+          <a:xfrm>
+            <a:off x="5029202" y="5953329"/>
+            <a:ext cx="1445460" cy="307777"/>
+          </a:xfrm>
+          <a:prstGeom prst="rect">
+            <a:avLst/>
+          </a:prstGeom>
+          <a:solidFill>
+            <a:srgbClr val="FFFF00"/>
+          </a:solidFill>
+          <a:ln>
+            <a:solidFill>
+              <a:schemeClr val="tx1"/>
+            </a:solidFill>
+          </a:ln>
+        </p:spPr>
+        <p:txBody>
+          <a:bodyPr wrap="none" rtlCol="0">
+            <a:spAutoFit/>
+          </a:bodyPr>
+          <a:lstStyle/>
+          <a:p>
+            <a:r>
+              <a:rPr lang="en-IN" sz="1400" dirty="0"/>
+              <a:t>Reorder Columns</a:t>
+            </a:r>
+          </a:p>
+        </p:txBody>
+      </p:sp>
+      <p:sp>
+        <p:nvSpPr>
+          <p:cNvPr id="14" name="Arrow: Bent-Up 13">
+            <a:extLst>
+              <a:ext uri="{FF2B5EF4-FFF2-40B4-BE49-F238E27FC236}">
+                <a16:creationId xmlns:a16="http://schemas.microsoft.com/office/drawing/2014/main" id="{862DBEEA-B4FF-463C-A2D7-A30DA58271F2}"/>
+              </a:ext>
+            </a:extLst>
+          </p:cNvPr>
+          <p:cNvSpPr/>
+          <p:nvPr/>
+        </p:nvSpPr>
+        <p:spPr>
+          <a:xfrm rot="5400000">
+            <a:off x="4041067" y="5656680"/>
+            <a:ext cx="759579" cy="594115"/>
+          </a:xfrm>
+          <a:prstGeom prst="bentUpArrow">
+            <a:avLst/>
+          </a:prstGeom>
+        </p:spPr>
+        <p:style>
+          <a:lnRef idx="2">
+            <a:schemeClr val="accent1">
+              <a:shade val="50000"/>
+            </a:schemeClr>
+          </a:lnRef>
+          <a:fillRef idx="1">
+            <a:schemeClr val="accent1"/>
+          </a:fillRef>
+          <a:effectRef idx="0">
+            <a:schemeClr val="accent1"/>
+          </a:effectRef>
+          <a:fontRef idx="minor">
+            <a:schemeClr val="lt1"/>
+          </a:fontRef>
+        </p:style>
+        <p:txBody>
+          <a:bodyPr rtlCol="0" anchor="ctr"/>
+          <a:lstStyle/>
+          <a:p>
+            <a:pPr algn="ctr"/>
+            <a:endParaRPr lang="en-IN"/>
+          </a:p>
+        </p:txBody>
+      </p:sp>
+    </p:spTree>
+    <p:extLst>
+      <p:ext uri="{BB962C8B-B14F-4D97-AF65-F5344CB8AC3E}">
+        <p14:creationId xmlns:p14="http://schemas.microsoft.com/office/powerpoint/2010/main" val="605101381"/>
+      </p:ext>
+    </p:extLst>
+  </p:cSld>
+  <p:clrMapOvr>
+    <a:masterClrMapping/>
+  </p:clrMapOvr>
+</p:sld>
+</file>
+
+<file path=ppt/slides/slide8.xml><?xml version="1.0" encoding="utf-8"?>
+<p:sld xmlns:a="http://schemas.openxmlformats.org/drawingml/2006/main" xmlns:r="http://schemas.openxmlformats.org/officeDocument/2006/relationships" xmlns:p="http://schemas.openxmlformats.org/presentationml/2006/main">
+  <p:cSld>
+    <p:spTree>
+      <p:nvGrpSpPr>
+        <p:cNvPr id="1" name=""/>
+        <p:cNvGrpSpPr/>
+        <p:nvPr/>
+      </p:nvGrpSpPr>
+      <p:grpSpPr>
+        <a:xfrm>
+          <a:off x="0" y="0"/>
+          <a:ext cx="0" cy="0"/>
+          <a:chOff x="0" y="0"/>
+          <a:chExt cx="0" cy="0"/>
+        </a:xfrm>
+      </p:grpSpPr>
+    </p:spTree>
+    <p:extLst>
+      <p:ext uri="{BB962C8B-B14F-4D97-AF65-F5344CB8AC3E}">
+        <p14:creationId xmlns:p14="http://schemas.microsoft.com/office/powerpoint/2010/main" val="2051405998"/>
       </p:ext>
     </p:extLst>
   </p:cSld>

--- a/2_ADF/PPT/2_Activities/2_Data Transformation Activities/1_Data Flow/2_schema modifier/1_Derived Column/1_Derived Column.pptx
+++ b/2_ADF/PPT/2_Activities/2_Data Transformation Activities/1_Data Flow/2_schema modifier/1_Derived Column/1_Derived Column.pptx
@@ -6760,6 +6760,92 @@
           <a:chExt cx="0" cy="0"/>
         </a:xfrm>
       </p:grpSpPr>
+      <p:pic>
+        <p:nvPicPr>
+          <p:cNvPr id="3" name="Picture 2">
+            <a:extLst>
+              <a:ext uri="{FF2B5EF4-FFF2-40B4-BE49-F238E27FC236}">
+                <a16:creationId xmlns:a16="http://schemas.microsoft.com/office/drawing/2014/main" id="{84140C13-2A92-427D-97D0-B6EC5C0B9A09}"/>
+              </a:ext>
+            </a:extLst>
+          </p:cNvPr>
+          <p:cNvPicPr>
+            <a:picLocks noChangeAspect="1"/>
+          </p:cNvPicPr>
+          <p:nvPr/>
+        </p:nvPicPr>
+        <p:blipFill rotWithShape="1">
+          <a:blip r:embed="rId2"/>
+          <a:srcRect l="28930" t="31774" r="15751" b="17162"/>
+          <a:stretch/>
+        </p:blipFill>
+        <p:spPr>
+          <a:xfrm>
+            <a:off x="194553" y="291830"/>
+            <a:ext cx="7830766" cy="4517749"/>
+          </a:xfrm>
+          <a:prstGeom prst="rect">
+            <a:avLst/>
+          </a:prstGeom>
+          <a:ln w="15875">
+            <a:solidFill>
+              <a:schemeClr val="tx1"/>
+            </a:solidFill>
+          </a:ln>
+        </p:spPr>
+      </p:pic>
+      <p:sp>
+        <p:nvSpPr>
+          <p:cNvPr id="4" name="Rectangle 3">
+            <a:extLst>
+              <a:ext uri="{FF2B5EF4-FFF2-40B4-BE49-F238E27FC236}">
+                <a16:creationId xmlns:a16="http://schemas.microsoft.com/office/drawing/2014/main" id="{52C7214F-C133-4838-985C-480C664B5E2B}"/>
+              </a:ext>
+            </a:extLst>
+          </p:cNvPr>
+          <p:cNvSpPr/>
+          <p:nvPr/>
+        </p:nvSpPr>
+        <p:spPr>
+          <a:xfrm>
+            <a:off x="2542162" y="3968884"/>
+            <a:ext cx="5492885" cy="850423"/>
+          </a:xfrm>
+          <a:prstGeom prst="rect">
+            <a:avLst/>
+          </a:prstGeom>
+          <a:noFill/>
+          <a:ln w="22225">
+            <a:solidFill>
+              <a:srgbClr val="FF0000"/>
+            </a:solidFill>
+          </a:ln>
+        </p:spPr>
+        <p:style>
+          <a:lnRef idx="2">
+            <a:schemeClr val="accent1">
+              <a:shade val="50000"/>
+            </a:schemeClr>
+          </a:lnRef>
+          <a:fillRef idx="1">
+            <a:schemeClr val="accent1"/>
+          </a:fillRef>
+          <a:effectRef idx="0">
+            <a:schemeClr val="accent1"/>
+          </a:effectRef>
+          <a:fontRef idx="minor">
+            <a:schemeClr val="lt1"/>
+          </a:fontRef>
+        </p:style>
+        <p:txBody>
+          <a:bodyPr rtlCol="0" anchor="ctr"/>
+          <a:lstStyle/>
+          <a:p>
+            <a:pPr algn="ctr"/>
+            <a:endParaRPr lang="en-IN"/>
+          </a:p>
+        </p:txBody>
+      </p:sp>
     </p:spTree>
     <p:extLst>
       <p:ext uri="{BB962C8B-B14F-4D97-AF65-F5344CB8AC3E}">
